--- a/of changing an er diagram into relation model.pptx
+++ b/of changing an er diagram into relation model.pptx
@@ -1,25 +1,25 @@
 
 <file path=ppt/presentation.xml><?xml version="1.0" encoding="utf-8"?>
-<p:presentation xmlns:a="http://schemas.openxmlformats.org/drawingml/2006/main" xmlns:r="http://schemas.openxmlformats.org/officeDocument/2006/relationships" xmlns:p="http://schemas.openxmlformats.org/presentationml/2006/main" saveSubsetFonts="1" embedTrueTypeFonts="true">
+<p:presentation xmlns:a="http://schemas.openxmlformats.org/drawingml/2006/main" xmlns:r="http://schemas.openxmlformats.org/officeDocument/2006/relationships" xmlns:p="http://schemas.openxmlformats.org/presentationml/2006/main" embedTrueTypeFonts="1" saveSubsetFonts="1">
   <p:sldMasterIdLst>
     <p:sldMasterId id="2147483648" r:id="rId1"/>
   </p:sldMasterIdLst>
   <p:sldIdLst>
-    <p:sldId id="256" r:id="rId6"/>
-    <p:sldId id="257" r:id="rId7"/>
-    <p:sldId id="258" r:id="rId8"/>
-    <p:sldId id="259" r:id="rId9"/>
+    <p:sldId id="256" r:id="rId2"/>
+    <p:sldId id="257" r:id="rId3"/>
+    <p:sldId id="258" r:id="rId4"/>
+    <p:sldId id="259" r:id="rId5"/>
   </p:sldIdLst>
   <p:sldSz cx="18288000" cy="10287000"/>
   <p:notesSz cx="6858000" cy="9144000"/>
   <p:embeddedFontLst>
     <p:embeddedFont>
-      <p:font typeface="Alexandria Bold" charset="1" panose="00000000000000000000"/>
-      <p:regular r:id="rId10"/>
+      <p:font typeface="Alexandria Bold" panose="020B0604020202020204" charset="-78"/>
+      <p:regular r:id="rId6"/>
     </p:embeddedFont>
     <p:embeddedFont>
-      <p:font typeface="Canva Sans Bold" charset="1" panose="020B0803030501040103"/>
-      <p:regular r:id="rId11"/>
+      <p:font typeface="Canva Sans Bold" panose="020B0604020202020204" charset="0"/>
+      <p:regular r:id="rId7"/>
     </p:embeddedFont>
   </p:embeddedFontLst>
   <p:defaultTextStyle>
@@ -117,6 +117,22 @@
       </a:defRPr>
     </a:lvl9pPr>
   </p:defaultTextStyle>
+  <p:extLst>
+    <p:ext uri="{EFAFB233-063F-42B5-8137-9DF3F51BA10A}">
+      <p15:sldGuideLst xmlns:p15="http://schemas.microsoft.com/office/powerpoint/2012/main">
+        <p15:guide id="1" orient="horz" pos="2160">
+          <p15:clr>
+            <a:srgbClr val="A4A3A4"/>
+          </p15:clr>
+        </p15:guide>
+        <p15:guide id="2" pos="2880">
+          <p15:clr>
+            <a:srgbClr val="A4A3A4"/>
+          </p15:clr>
+        </p15:guide>
+      </p15:sldGuideLst>
+    </p:ext>
+  </p:extLst>
 </p:presentation>
 </file>
 
@@ -158,10 +174,9 @@
           <a:lstStyle/>
           <a:p>
             <a:r>
-              <a:rPr lang="en-US" smtClean="0"/>
+              <a:rPr lang="en-US"/>
               <a:t>Click to edit Master title style</a:t>
             </a:r>
-            <a:endParaRPr lang="en-US"/>
           </a:p>
         </p:txBody>
       </p:sp>
@@ -277,10 +292,9 @@
           </a:lstStyle>
           <a:p>
             <a:r>
-              <a:rPr lang="en-US" smtClean="0"/>
+              <a:rPr lang="en-US"/>
               <a:t>Click to edit Master subtitle style</a:t>
             </a:r>
-            <a:endParaRPr lang="en-US"/>
           </a:p>
         </p:txBody>
       </p:sp>
@@ -302,7 +316,7 @@
             <a:fld id="{1D8BD707-D9CF-40AE-B4C6-C98DA3205C09}" type="datetimeFigureOut">
               <a:rPr lang="en-US" smtClean="0"/>
               <a:pPr/>
-              <a:t>8/1/2011</a:t>
+              <a:t>6/26/2025</a:t>
             </a:fld>
             <a:endParaRPr lang="en-US"/>
           </a:p>
@@ -392,10 +406,9 @@
           <a:lstStyle/>
           <a:p>
             <a:r>
-              <a:rPr lang="en-US" smtClean="0"/>
+              <a:rPr lang="en-US"/>
               <a:t>Click to edit Master title style</a:t>
             </a:r>
-            <a:endParaRPr lang="en-US"/>
           </a:p>
         </p:txBody>
       </p:sp>
@@ -416,38 +429,37 @@
           <a:p>
             <a:pPr lvl="0"/>
             <a:r>
-              <a:rPr lang="en-US" smtClean="0"/>
+              <a:rPr lang="en-US"/>
               <a:t>Click to edit Master text styles</a:t>
             </a:r>
           </a:p>
           <a:p>
             <a:pPr lvl="1"/>
             <a:r>
-              <a:rPr lang="en-US" smtClean="0"/>
+              <a:rPr lang="en-US"/>
               <a:t>Second level</a:t>
             </a:r>
           </a:p>
           <a:p>
             <a:pPr lvl="2"/>
             <a:r>
-              <a:rPr lang="en-US" smtClean="0"/>
+              <a:rPr lang="en-US"/>
               <a:t>Third level</a:t>
             </a:r>
           </a:p>
           <a:p>
             <a:pPr lvl="3"/>
             <a:r>
-              <a:rPr lang="en-US" smtClean="0"/>
+              <a:rPr lang="en-US"/>
               <a:t>Fourth level</a:t>
             </a:r>
           </a:p>
           <a:p>
             <a:pPr lvl="4"/>
             <a:r>
-              <a:rPr lang="en-US" smtClean="0"/>
+              <a:rPr lang="en-US"/>
               <a:t>Fifth level</a:t>
             </a:r>
-            <a:endParaRPr lang="en-US"/>
           </a:p>
         </p:txBody>
       </p:sp>
@@ -469,7 +481,7 @@
             <a:fld id="{1D8BD707-D9CF-40AE-B4C6-C98DA3205C09}" type="datetimeFigureOut">
               <a:rPr lang="en-US" smtClean="0"/>
               <a:pPr/>
-              <a:t>8/1/2011</a:t>
+              <a:t>6/26/2025</a:t>
             </a:fld>
             <a:endParaRPr lang="en-US"/>
           </a:p>
@@ -564,10 +576,9 @@
           <a:lstStyle/>
           <a:p>
             <a:r>
-              <a:rPr lang="en-US" smtClean="0"/>
+              <a:rPr lang="en-US"/>
               <a:t>Click to edit Master title style</a:t>
             </a:r>
-            <a:endParaRPr lang="en-US"/>
           </a:p>
         </p:txBody>
       </p:sp>
@@ -593,38 +604,37 @@
           <a:p>
             <a:pPr lvl="0"/>
             <a:r>
-              <a:rPr lang="en-US" smtClean="0"/>
+              <a:rPr lang="en-US"/>
               <a:t>Click to edit Master text styles</a:t>
             </a:r>
           </a:p>
           <a:p>
             <a:pPr lvl="1"/>
             <a:r>
-              <a:rPr lang="en-US" smtClean="0"/>
+              <a:rPr lang="en-US"/>
               <a:t>Second level</a:t>
             </a:r>
           </a:p>
           <a:p>
             <a:pPr lvl="2"/>
             <a:r>
-              <a:rPr lang="en-US" smtClean="0"/>
+              <a:rPr lang="en-US"/>
               <a:t>Third level</a:t>
             </a:r>
           </a:p>
           <a:p>
             <a:pPr lvl="3"/>
             <a:r>
-              <a:rPr lang="en-US" smtClean="0"/>
+              <a:rPr lang="en-US"/>
               <a:t>Fourth level</a:t>
             </a:r>
           </a:p>
           <a:p>
             <a:pPr lvl="4"/>
             <a:r>
-              <a:rPr lang="en-US" smtClean="0"/>
+              <a:rPr lang="en-US"/>
               <a:t>Fifth level</a:t>
             </a:r>
-            <a:endParaRPr lang="en-US"/>
           </a:p>
         </p:txBody>
       </p:sp>
@@ -646,7 +656,7 @@
             <a:fld id="{1D8BD707-D9CF-40AE-B4C6-C98DA3205C09}" type="datetimeFigureOut">
               <a:rPr lang="en-US" smtClean="0"/>
               <a:pPr/>
-              <a:t>8/1/2011</a:t>
+              <a:t>6/26/2025</a:t>
             </a:fld>
             <a:endParaRPr lang="en-US"/>
           </a:p>
@@ -736,10 +746,9 @@
           <a:lstStyle/>
           <a:p>
             <a:r>
-              <a:rPr lang="en-US" smtClean="0"/>
+              <a:rPr lang="en-US"/>
               <a:t>Click to edit Master title style</a:t>
             </a:r>
-            <a:endParaRPr lang="en-US"/>
           </a:p>
         </p:txBody>
       </p:sp>
@@ -760,38 +769,37 @@
           <a:p>
             <a:pPr lvl="0"/>
             <a:r>
-              <a:rPr lang="en-US" smtClean="0"/>
+              <a:rPr lang="en-US"/>
               <a:t>Click to edit Master text styles</a:t>
             </a:r>
           </a:p>
           <a:p>
             <a:pPr lvl="1"/>
             <a:r>
-              <a:rPr lang="en-US" smtClean="0"/>
+              <a:rPr lang="en-US"/>
               <a:t>Second level</a:t>
             </a:r>
           </a:p>
           <a:p>
             <a:pPr lvl="2"/>
             <a:r>
-              <a:rPr lang="en-US" smtClean="0"/>
+              <a:rPr lang="en-US"/>
               <a:t>Third level</a:t>
             </a:r>
           </a:p>
           <a:p>
             <a:pPr lvl="3"/>
             <a:r>
-              <a:rPr lang="en-US" smtClean="0"/>
+              <a:rPr lang="en-US"/>
               <a:t>Fourth level</a:t>
             </a:r>
           </a:p>
           <a:p>
             <a:pPr lvl="4"/>
             <a:r>
-              <a:rPr lang="en-US" smtClean="0"/>
+              <a:rPr lang="en-US"/>
               <a:t>Fifth level</a:t>
             </a:r>
-            <a:endParaRPr lang="en-US"/>
           </a:p>
         </p:txBody>
       </p:sp>
@@ -813,7 +821,7 @@
             <a:fld id="{1D8BD707-D9CF-40AE-B4C6-C98DA3205C09}" type="datetimeFigureOut">
               <a:rPr lang="en-US" smtClean="0"/>
               <a:pPr/>
-              <a:t>8/1/2011</a:t>
+              <a:t>6/26/2025</a:t>
             </a:fld>
             <a:endParaRPr lang="en-US"/>
           </a:p>
@@ -912,10 +920,9 @@
           </a:lstStyle>
           <a:p>
             <a:r>
-              <a:rPr lang="en-US" smtClean="0"/>
+              <a:rPr lang="en-US"/>
               <a:t>Click to edit Master title style</a:t>
             </a:r>
-            <a:endParaRPr lang="en-US"/>
           </a:p>
         </p:txBody>
       </p:sp>
@@ -1032,7 +1039,7 @@
           <a:p>
             <a:pPr lvl="0"/>
             <a:r>
-              <a:rPr lang="en-US" smtClean="0"/>
+              <a:rPr lang="en-US"/>
               <a:t>Click to edit Master text styles</a:t>
             </a:r>
           </a:p>
@@ -1056,7 +1063,7 @@
             <a:fld id="{1D8BD707-D9CF-40AE-B4C6-C98DA3205C09}" type="datetimeFigureOut">
               <a:rPr lang="en-US" smtClean="0"/>
               <a:pPr/>
-              <a:t>8/1/2011</a:t>
+              <a:t>6/26/2025</a:t>
             </a:fld>
             <a:endParaRPr lang="en-US"/>
           </a:p>
@@ -1146,10 +1153,9 @@
           <a:lstStyle/>
           <a:p>
             <a:r>
-              <a:rPr lang="en-US" smtClean="0"/>
+              <a:rPr lang="en-US"/>
               <a:t>Click to edit Master title style</a:t>
             </a:r>
-            <a:endParaRPr lang="en-US"/>
           </a:p>
         </p:txBody>
       </p:sp>
@@ -1203,38 +1209,37 @@
           <a:p>
             <a:pPr lvl="0"/>
             <a:r>
-              <a:rPr lang="en-US" smtClean="0"/>
+              <a:rPr lang="en-US"/>
               <a:t>Click to edit Master text styles</a:t>
             </a:r>
           </a:p>
           <a:p>
             <a:pPr lvl="1"/>
             <a:r>
-              <a:rPr lang="en-US" smtClean="0"/>
+              <a:rPr lang="en-US"/>
               <a:t>Second level</a:t>
             </a:r>
           </a:p>
           <a:p>
             <a:pPr lvl="2"/>
             <a:r>
-              <a:rPr lang="en-US" smtClean="0"/>
+              <a:rPr lang="en-US"/>
               <a:t>Third level</a:t>
             </a:r>
           </a:p>
           <a:p>
             <a:pPr lvl="3"/>
             <a:r>
-              <a:rPr lang="en-US" smtClean="0"/>
+              <a:rPr lang="en-US"/>
               <a:t>Fourth level</a:t>
             </a:r>
           </a:p>
           <a:p>
             <a:pPr lvl="4"/>
             <a:r>
-              <a:rPr lang="en-US" smtClean="0"/>
+              <a:rPr lang="en-US"/>
               <a:t>Fifth level</a:t>
             </a:r>
-            <a:endParaRPr lang="en-US"/>
           </a:p>
         </p:txBody>
       </p:sp>
@@ -1288,38 +1293,37 @@
           <a:p>
             <a:pPr lvl="0"/>
             <a:r>
-              <a:rPr lang="en-US" smtClean="0"/>
+              <a:rPr lang="en-US"/>
               <a:t>Click to edit Master text styles</a:t>
             </a:r>
           </a:p>
           <a:p>
             <a:pPr lvl="1"/>
             <a:r>
-              <a:rPr lang="en-US" smtClean="0"/>
+              <a:rPr lang="en-US"/>
               <a:t>Second level</a:t>
             </a:r>
           </a:p>
           <a:p>
             <a:pPr lvl="2"/>
             <a:r>
-              <a:rPr lang="en-US" smtClean="0"/>
+              <a:rPr lang="en-US"/>
               <a:t>Third level</a:t>
             </a:r>
           </a:p>
           <a:p>
             <a:pPr lvl="3"/>
             <a:r>
-              <a:rPr lang="en-US" smtClean="0"/>
+              <a:rPr lang="en-US"/>
               <a:t>Fourth level</a:t>
             </a:r>
           </a:p>
           <a:p>
             <a:pPr lvl="4"/>
             <a:r>
-              <a:rPr lang="en-US" smtClean="0"/>
+              <a:rPr lang="en-US"/>
               <a:t>Fifth level</a:t>
             </a:r>
-            <a:endParaRPr lang="en-US"/>
           </a:p>
         </p:txBody>
       </p:sp>
@@ -1341,7 +1345,7 @@
             <a:fld id="{1D8BD707-D9CF-40AE-B4C6-C98DA3205C09}" type="datetimeFigureOut">
               <a:rPr lang="en-US" smtClean="0"/>
               <a:pPr/>
-              <a:t>8/1/2011</a:t>
+              <a:t>6/26/2025</a:t>
             </a:fld>
             <a:endParaRPr lang="en-US"/>
           </a:p>
@@ -1435,10 +1439,9 @@
           </a:lstStyle>
           <a:p>
             <a:r>
-              <a:rPr lang="en-US" smtClean="0"/>
+              <a:rPr lang="en-US"/>
               <a:t>Click to edit Master title style</a:t>
             </a:r>
-            <a:endParaRPr lang="en-US"/>
           </a:p>
         </p:txBody>
       </p:sp>
@@ -1501,7 +1504,7 @@
           <a:p>
             <a:pPr lvl="0"/>
             <a:r>
-              <a:rPr lang="en-US" smtClean="0"/>
+              <a:rPr lang="en-US"/>
               <a:t>Click to edit Master text styles</a:t>
             </a:r>
           </a:p>
@@ -1557,38 +1560,37 @@
           <a:p>
             <a:pPr lvl="0"/>
             <a:r>
-              <a:rPr lang="en-US" smtClean="0"/>
+              <a:rPr lang="en-US"/>
               <a:t>Click to edit Master text styles</a:t>
             </a:r>
           </a:p>
           <a:p>
             <a:pPr lvl="1"/>
             <a:r>
-              <a:rPr lang="en-US" smtClean="0"/>
+              <a:rPr lang="en-US"/>
               <a:t>Second level</a:t>
             </a:r>
           </a:p>
           <a:p>
             <a:pPr lvl="2"/>
             <a:r>
-              <a:rPr lang="en-US" smtClean="0"/>
+              <a:rPr lang="en-US"/>
               <a:t>Third level</a:t>
             </a:r>
           </a:p>
           <a:p>
             <a:pPr lvl="3"/>
             <a:r>
-              <a:rPr lang="en-US" smtClean="0"/>
+              <a:rPr lang="en-US"/>
               <a:t>Fourth level</a:t>
             </a:r>
           </a:p>
           <a:p>
             <a:pPr lvl="4"/>
             <a:r>
-              <a:rPr lang="en-US" smtClean="0"/>
+              <a:rPr lang="en-US"/>
               <a:t>Fifth level</a:t>
             </a:r>
-            <a:endParaRPr lang="en-US"/>
           </a:p>
         </p:txBody>
       </p:sp>
@@ -1651,7 +1653,7 @@
           <a:p>
             <a:pPr lvl="0"/>
             <a:r>
-              <a:rPr lang="en-US" smtClean="0"/>
+              <a:rPr lang="en-US"/>
               <a:t>Click to edit Master text styles</a:t>
             </a:r>
           </a:p>
@@ -1707,38 +1709,37 @@
           <a:p>
             <a:pPr lvl="0"/>
             <a:r>
-              <a:rPr lang="en-US" smtClean="0"/>
+              <a:rPr lang="en-US"/>
               <a:t>Click to edit Master text styles</a:t>
             </a:r>
           </a:p>
           <a:p>
             <a:pPr lvl="1"/>
             <a:r>
-              <a:rPr lang="en-US" smtClean="0"/>
+              <a:rPr lang="en-US"/>
               <a:t>Second level</a:t>
             </a:r>
           </a:p>
           <a:p>
             <a:pPr lvl="2"/>
             <a:r>
-              <a:rPr lang="en-US" smtClean="0"/>
+              <a:rPr lang="en-US"/>
               <a:t>Third level</a:t>
             </a:r>
           </a:p>
           <a:p>
             <a:pPr lvl="3"/>
             <a:r>
-              <a:rPr lang="en-US" smtClean="0"/>
+              <a:rPr lang="en-US"/>
               <a:t>Fourth level</a:t>
             </a:r>
           </a:p>
           <a:p>
             <a:pPr lvl="4"/>
             <a:r>
-              <a:rPr lang="en-US" smtClean="0"/>
+              <a:rPr lang="en-US"/>
               <a:t>Fifth level</a:t>
             </a:r>
-            <a:endParaRPr lang="en-US"/>
           </a:p>
         </p:txBody>
       </p:sp>
@@ -1760,7 +1761,7 @@
             <a:fld id="{1D8BD707-D9CF-40AE-B4C6-C98DA3205C09}" type="datetimeFigureOut">
               <a:rPr lang="en-US" smtClean="0"/>
               <a:pPr/>
-              <a:t>8/1/2011</a:t>
+              <a:t>6/26/2025</a:t>
             </a:fld>
             <a:endParaRPr lang="en-US"/>
           </a:p>
@@ -1850,10 +1851,9 @@
           <a:lstStyle/>
           <a:p>
             <a:r>
-              <a:rPr lang="en-US" smtClean="0"/>
+              <a:rPr lang="en-US"/>
               <a:t>Click to edit Master title style</a:t>
             </a:r>
-            <a:endParaRPr lang="en-US"/>
           </a:p>
         </p:txBody>
       </p:sp>
@@ -1875,7 +1875,7 @@
             <a:fld id="{1D8BD707-D9CF-40AE-B4C6-C98DA3205C09}" type="datetimeFigureOut">
               <a:rPr lang="en-US" smtClean="0"/>
               <a:pPr/>
-              <a:t>8/1/2011</a:t>
+              <a:t>6/26/2025</a:t>
             </a:fld>
             <a:endParaRPr lang="en-US"/>
           </a:p>
@@ -1967,7 +1967,7 @@
             <a:fld id="{1D8BD707-D9CF-40AE-B4C6-C98DA3205C09}" type="datetimeFigureOut">
               <a:rPr lang="en-US" smtClean="0"/>
               <a:pPr/>
-              <a:t>8/1/2011</a:t>
+              <a:t>6/26/2025</a:t>
             </a:fld>
             <a:endParaRPr lang="en-US"/>
           </a:p>
@@ -2066,10 +2066,9 @@
           </a:lstStyle>
           <a:p>
             <a:r>
-              <a:rPr lang="en-US" smtClean="0"/>
+              <a:rPr lang="en-US"/>
               <a:t>Click to edit Master title style</a:t>
             </a:r>
-            <a:endParaRPr lang="en-US"/>
           </a:p>
         </p:txBody>
       </p:sp>
@@ -2123,38 +2122,37 @@
           <a:p>
             <a:pPr lvl="0"/>
             <a:r>
-              <a:rPr lang="en-US" smtClean="0"/>
+              <a:rPr lang="en-US"/>
               <a:t>Click to edit Master text styles</a:t>
             </a:r>
           </a:p>
           <a:p>
             <a:pPr lvl="1"/>
             <a:r>
-              <a:rPr lang="en-US" smtClean="0"/>
+              <a:rPr lang="en-US"/>
               <a:t>Second level</a:t>
             </a:r>
           </a:p>
           <a:p>
             <a:pPr lvl="2"/>
             <a:r>
-              <a:rPr lang="en-US" smtClean="0"/>
+              <a:rPr lang="en-US"/>
               <a:t>Third level</a:t>
             </a:r>
           </a:p>
           <a:p>
             <a:pPr lvl="3"/>
             <a:r>
-              <a:rPr lang="en-US" smtClean="0"/>
+              <a:rPr lang="en-US"/>
               <a:t>Fourth level</a:t>
             </a:r>
           </a:p>
           <a:p>
             <a:pPr lvl="4"/>
             <a:r>
-              <a:rPr lang="en-US" smtClean="0"/>
+              <a:rPr lang="en-US"/>
               <a:t>Fifth level</a:t>
             </a:r>
-            <a:endParaRPr lang="en-US"/>
           </a:p>
         </p:txBody>
       </p:sp>
@@ -2217,7 +2215,7 @@
           <a:p>
             <a:pPr lvl="0"/>
             <a:r>
-              <a:rPr lang="en-US" smtClean="0"/>
+              <a:rPr lang="en-US"/>
               <a:t>Click to edit Master text styles</a:t>
             </a:r>
           </a:p>
@@ -2241,7 +2239,7 @@
             <a:fld id="{1D8BD707-D9CF-40AE-B4C6-C98DA3205C09}" type="datetimeFigureOut">
               <a:rPr lang="en-US" smtClean="0"/>
               <a:pPr/>
-              <a:t>8/1/2011</a:t>
+              <a:t>6/26/2025</a:t>
             </a:fld>
             <a:endParaRPr lang="en-US"/>
           </a:p>
@@ -2340,10 +2338,9 @@
           </a:lstStyle>
           <a:p>
             <a:r>
-              <a:rPr lang="en-US" smtClean="0"/>
+              <a:rPr lang="en-US"/>
               <a:t>Click to edit Master title style</a:t>
             </a:r>
-            <a:endParaRPr lang="en-US"/>
           </a:p>
         </p:txBody>
       </p:sp>
@@ -2467,7 +2464,7 @@
           <a:p>
             <a:pPr lvl="0"/>
             <a:r>
-              <a:rPr lang="en-US" smtClean="0"/>
+              <a:rPr lang="en-US"/>
               <a:t>Click to edit Master text styles</a:t>
             </a:r>
           </a:p>
@@ -2491,7 +2488,7 @@
             <a:fld id="{1D8BD707-D9CF-40AE-B4C6-C98DA3205C09}" type="datetimeFigureOut">
               <a:rPr lang="en-US" smtClean="0"/>
               <a:pPr/>
-              <a:t>8/1/2011</a:t>
+              <a:t>6/26/2025</a:t>
             </a:fld>
             <a:endParaRPr lang="en-US"/>
           </a:p>
@@ -2596,10 +2593,9 @@
           <a:lstStyle/>
           <a:p>
             <a:r>
-              <a:rPr lang="en-US" smtClean="0"/>
+              <a:rPr lang="en-US"/>
               <a:t>Click to edit Master title style</a:t>
             </a:r>
-            <a:endParaRPr lang="en-US"/>
           </a:p>
         </p:txBody>
       </p:sp>
@@ -2630,38 +2626,37 @@
           <a:p>
             <a:pPr lvl="0"/>
             <a:r>
-              <a:rPr lang="en-US" smtClean="0"/>
+              <a:rPr lang="en-US"/>
               <a:t>Click to edit Master text styles</a:t>
             </a:r>
           </a:p>
           <a:p>
             <a:pPr lvl="1"/>
             <a:r>
-              <a:rPr lang="en-US" smtClean="0"/>
+              <a:rPr lang="en-US"/>
               <a:t>Second level</a:t>
             </a:r>
           </a:p>
           <a:p>
             <a:pPr lvl="2"/>
             <a:r>
-              <a:rPr lang="en-US" smtClean="0"/>
+              <a:rPr lang="en-US"/>
               <a:t>Third level</a:t>
             </a:r>
           </a:p>
           <a:p>
             <a:pPr lvl="3"/>
             <a:r>
-              <a:rPr lang="en-US" smtClean="0"/>
+              <a:rPr lang="en-US"/>
               <a:t>Fourth level</a:t>
             </a:r>
           </a:p>
           <a:p>
             <a:pPr lvl="4"/>
             <a:r>
-              <a:rPr lang="en-US" smtClean="0"/>
+              <a:rPr lang="en-US"/>
               <a:t>Fifth level</a:t>
             </a:r>
-            <a:endParaRPr lang="en-US"/>
           </a:p>
         </p:txBody>
       </p:sp>
@@ -2701,7 +2696,7 @@
             <a:fld id="{1D8BD707-D9CF-40AE-B4C6-C98DA3205C09}" type="datetimeFigureOut">
               <a:rPr lang="en-US" smtClean="0"/>
               <a:pPr/>
-              <a:t>8/1/2011</a:t>
+              <a:t>6/26/2025</a:t>
             </a:fld>
             <a:endParaRPr lang="en-US"/>
           </a:p>
@@ -3056,13 +3051,14 @@
 </file>
 
 <file path=ppt/slides/slide1.xml><?xml version="1.0" encoding="utf-8"?>
-<p:sld xmlns:p="http://schemas.openxmlformats.org/presentationml/2006/main" xmlns:a="http://schemas.openxmlformats.org/drawingml/2006/main" xmlns:r="http://schemas.openxmlformats.org/officeDocument/2006/relationships">
+<p:sld xmlns:a="http://schemas.openxmlformats.org/drawingml/2006/main" xmlns:r="http://schemas.openxmlformats.org/officeDocument/2006/relationships" xmlns:p="http://schemas.openxmlformats.org/presentationml/2006/main">
   <p:cSld>
     <p:bg>
       <p:bgPr>
         <a:solidFill>
           <a:srgbClr val="E9E9E9"/>
         </a:solidFill>
+        <a:effectLst/>
       </p:bgPr>
     </p:bg>
     <p:spTree>
@@ -3081,12 +3077,12 @@
       </p:grpSpPr>
       <p:sp>
         <p:nvSpPr>
-          <p:cNvPr name="Freeform 2" id="2"/>
+          <p:cNvPr id="2" name="Freeform 2"/>
           <p:cNvSpPr/>
           <p:nvPr/>
         </p:nvSpPr>
         <p:spPr>
-          <a:xfrm flipH="false" flipV="false" rot="5400000">
+          <a:xfrm rot="5400000">
             <a:off x="-598671" y="-1743170"/>
             <a:ext cx="4840370" cy="6758253"/>
           </a:xfrm>
@@ -3095,9 +3091,9 @@
             <a:gdLst/>
             <a:ahLst/>
             <a:cxnLst/>
-            <a:rect r="r" b="b" t="t" l="l"/>
+            <a:rect l="l" t="t" r="r" b="b"/>
             <a:pathLst>
-              <a:path h="6758253" w="4840370">
+              <a:path w="4840370" h="6758253">
                 <a:moveTo>
                   <a:pt x="0" y="0"/>
                 </a:moveTo>
@@ -3126,19 +3122,19 @@
               </a:extLst>
             </a:blip>
             <a:stretch>
-              <a:fillRect l="0" t="0" r="0" b="0"/>
+              <a:fillRect/>
             </a:stretch>
           </a:blipFill>
         </p:spPr>
       </p:sp>
       <p:sp>
         <p:nvSpPr>
-          <p:cNvPr name="Freeform 3" id="3"/>
+          <p:cNvPr id="3" name="Freeform 3"/>
           <p:cNvSpPr/>
           <p:nvPr/>
         </p:nvSpPr>
         <p:spPr>
-          <a:xfrm flipH="true" flipV="true" rot="5400000">
+          <a:xfrm rot="5400000" flipH="1" flipV="1">
             <a:off x="13890343" y="5516388"/>
             <a:ext cx="4840370" cy="6758253"/>
           </a:xfrm>
@@ -3147,9 +3143,9 @@
             <a:gdLst/>
             <a:ahLst/>
             <a:cxnLst/>
-            <a:rect r="r" b="b" t="t" l="l"/>
+            <a:rect l="l" t="t" r="r" b="b"/>
             <a:pathLst>
-              <a:path h="6758253" w="4840370">
+              <a:path w="4840370" h="6758253">
                 <a:moveTo>
                   <a:pt x="4840371" y="6758253"/>
                 </a:moveTo>
@@ -3178,19 +3174,19 @@
               </a:extLst>
             </a:blip>
             <a:stretch>
-              <a:fillRect l="0" t="0" r="0" b="0"/>
+              <a:fillRect/>
             </a:stretch>
           </a:blipFill>
         </p:spPr>
       </p:sp>
       <p:sp>
         <p:nvSpPr>
-          <p:cNvPr name="Freeform 4" id="4"/>
+          <p:cNvPr id="4" name="Freeform 4"/>
           <p:cNvSpPr/>
           <p:nvPr/>
         </p:nvSpPr>
         <p:spPr>
-          <a:xfrm flipH="true" flipV="false" rot="-212327">
+          <a:xfrm rot="-212327" flipH="1">
             <a:off x="-1633813" y="4706943"/>
             <a:ext cx="7684967" cy="7684967"/>
           </a:xfrm>
@@ -3199,9 +3195,9 @@
             <a:gdLst/>
             <a:ahLst/>
             <a:cxnLst/>
-            <a:rect r="r" b="b" t="t" l="l"/>
+            <a:rect l="l" t="t" r="r" b="b"/>
             <a:pathLst>
-              <a:path h="7684967" w="7684967">
+              <a:path w="7684967" h="7684967">
                 <a:moveTo>
                   <a:pt x="7684968" y="0"/>
                 </a:moveTo>
@@ -3230,19 +3226,19 @@
               </a:extLst>
             </a:blip>
             <a:stretch>
-              <a:fillRect l="0" t="0" r="0" b="0"/>
+              <a:fillRect/>
             </a:stretch>
           </a:blipFill>
         </p:spPr>
       </p:sp>
       <p:sp>
         <p:nvSpPr>
-          <p:cNvPr name="Freeform 5" id="5"/>
+          <p:cNvPr id="5" name="Freeform 5"/>
           <p:cNvSpPr/>
           <p:nvPr/>
         </p:nvSpPr>
         <p:spPr>
-          <a:xfrm flipH="true" flipV="false" rot="0">
+          <a:xfrm flipH="1">
             <a:off x="-2020970" y="4706943"/>
             <a:ext cx="7684967" cy="7684967"/>
           </a:xfrm>
@@ -3251,9 +3247,9 @@
             <a:gdLst/>
             <a:ahLst/>
             <a:cxnLst/>
-            <a:rect r="r" b="b" t="t" l="l"/>
+            <a:rect l="l" t="t" r="r" b="b"/>
             <a:pathLst>
-              <a:path h="7684967" w="7684967">
+              <a:path w="7684967" h="7684967">
                 <a:moveTo>
                   <a:pt x="7684968" y="0"/>
                 </a:moveTo>
@@ -3282,19 +3278,19 @@
               </a:extLst>
             </a:blip>
             <a:stretch>
-              <a:fillRect l="0" t="0" r="0" b="0"/>
+              <a:fillRect/>
             </a:stretch>
           </a:blipFill>
         </p:spPr>
       </p:sp>
       <p:sp>
         <p:nvSpPr>
-          <p:cNvPr name="Freeform 6" id="6"/>
+          <p:cNvPr id="6" name="Freeform 6"/>
           <p:cNvSpPr/>
           <p:nvPr/>
         </p:nvSpPr>
         <p:spPr>
-          <a:xfrm flipH="false" flipV="true" rot="-176744">
+          <a:xfrm rot="-176744" flipV="1">
             <a:off x="12281842" y="-3234705"/>
             <a:ext cx="6992792" cy="6992792"/>
           </a:xfrm>
@@ -3303,9 +3299,9 @@
             <a:gdLst/>
             <a:ahLst/>
             <a:cxnLst/>
-            <a:rect r="r" b="b" t="t" l="l"/>
+            <a:rect l="l" t="t" r="r" b="b"/>
             <a:pathLst>
-              <a:path h="6992792" w="6992792">
+              <a:path w="6992792" h="6992792">
                 <a:moveTo>
                   <a:pt x="0" y="6992792"/>
                 </a:moveTo>
@@ -3334,19 +3330,19 @@
               </a:extLst>
             </a:blip>
             <a:stretch>
-              <a:fillRect l="0" t="0" r="0" b="0"/>
+              <a:fillRect/>
             </a:stretch>
           </a:blipFill>
         </p:spPr>
       </p:sp>
       <p:sp>
         <p:nvSpPr>
-          <p:cNvPr name="Freeform 7" id="7"/>
+          <p:cNvPr id="7" name="Freeform 7"/>
           <p:cNvSpPr/>
           <p:nvPr/>
         </p:nvSpPr>
         <p:spPr>
-          <a:xfrm flipH="false" flipV="true" rot="0">
+          <a:xfrm flipV="1">
             <a:off x="12348517" y="-3496396"/>
             <a:ext cx="6992792" cy="6992792"/>
           </a:xfrm>
@@ -3355,9 +3351,9 @@
             <a:gdLst/>
             <a:ahLst/>
             <a:cxnLst/>
-            <a:rect r="r" b="b" t="t" l="l"/>
+            <a:rect l="l" t="t" r="r" b="b"/>
             <a:pathLst>
-              <a:path h="6992792" w="6992792">
+              <a:path w="6992792" h="6992792">
                 <a:moveTo>
                   <a:pt x="0" y="6992792"/>
                 </a:moveTo>
@@ -3386,19 +3382,19 @@
               </a:extLst>
             </a:blip>
             <a:stretch>
-              <a:fillRect l="0" t="0" r="0" b="0"/>
+              <a:fillRect/>
             </a:stretch>
           </a:blipFill>
         </p:spPr>
       </p:sp>
       <p:sp>
         <p:nvSpPr>
-          <p:cNvPr name="TextBox 8" id="8"/>
-          <p:cNvSpPr txBox="true"/>
+          <p:cNvPr id="8" name="TextBox 8"/>
+          <p:cNvSpPr txBox="1"/>
           <p:nvPr/>
         </p:nvSpPr>
         <p:spPr>
-          <a:xfrm rot="0">
+          <a:xfrm>
             <a:off x="2668325" y="3267796"/>
             <a:ext cx="12951349" cy="1974712"/>
           </a:xfrm>
@@ -3407,7 +3403,7 @@
           </a:prstGeom>
         </p:spPr>
         <p:txBody>
-          <a:bodyPr anchor="t" rtlCol="false" tIns="0" lIns="0" bIns="0" rIns="0">
+          <a:bodyPr lIns="0" tIns="0" rIns="0" bIns="0" rtlCol="0" anchor="t">
             <a:spAutoFit/>
           </a:bodyPr>
           <a:lstStyle/>
@@ -3418,7 +3414,7 @@
               </a:lnSpc>
             </a:pPr>
             <a:r>
-              <a:rPr lang="en-US" b="true" sz="11505">
+              <a:rPr lang="en-US" sz="11505" b="1">
                 <a:solidFill>
                   <a:srgbClr val="3F3D3E"/>
                 </a:solidFill>
@@ -3434,12 +3430,12 @@
       </p:sp>
       <p:sp>
         <p:nvSpPr>
-          <p:cNvPr name="TextBox 9" id="9"/>
-          <p:cNvSpPr txBox="true"/>
+          <p:cNvPr id="9" name="TextBox 9"/>
+          <p:cNvSpPr txBox="1"/>
           <p:nvPr/>
         </p:nvSpPr>
         <p:spPr>
-          <a:xfrm rot="0">
+          <a:xfrm>
             <a:off x="-163612" y="5183187"/>
             <a:ext cx="18288000" cy="2441411"/>
           </a:xfrm>
@@ -3448,7 +3444,7 @@
           </a:prstGeom>
         </p:spPr>
         <p:txBody>
-          <a:bodyPr anchor="t" rtlCol="false" tIns="0" lIns="0" bIns="0" rIns="0">
+          <a:bodyPr lIns="0" tIns="0" rIns="0" bIns="0" rtlCol="0" anchor="t">
             <a:spAutoFit/>
           </a:bodyPr>
           <a:lstStyle/>
@@ -3462,7 +3458,7 @@
               </a:spcBef>
             </a:pPr>
             <a:r>
-              <a:rPr lang="en-US" b="true" sz="7006">
+              <a:rPr lang="en-US" sz="7006" b="1">
                 <a:solidFill>
                   <a:srgbClr val="3F3D3E"/>
                 </a:solidFill>
@@ -3485,13 +3481,14 @@
 </file>
 
 <file path=ppt/slides/slide2.xml><?xml version="1.0" encoding="utf-8"?>
-<p:sld xmlns:p="http://schemas.openxmlformats.org/presentationml/2006/main" xmlns:a="http://schemas.openxmlformats.org/drawingml/2006/main" xmlns:r="http://schemas.openxmlformats.org/officeDocument/2006/relationships">
+<p:sld xmlns:a="http://schemas.openxmlformats.org/drawingml/2006/main" xmlns:r="http://schemas.openxmlformats.org/officeDocument/2006/relationships" xmlns:p="http://schemas.openxmlformats.org/presentationml/2006/main">
   <p:cSld>
     <p:bg>
       <p:bgPr>
         <a:solidFill>
           <a:srgbClr val="E9E9E9"/>
         </a:solidFill>
+        <a:effectLst/>
       </p:bgPr>
     </p:bg>
     <p:spTree>
@@ -3510,12 +3507,12 @@
       </p:grpSpPr>
       <p:sp>
         <p:nvSpPr>
-          <p:cNvPr name="Freeform 2" id="2"/>
+          <p:cNvPr id="2" name="Freeform 2"/>
           <p:cNvSpPr/>
           <p:nvPr/>
         </p:nvSpPr>
         <p:spPr>
-          <a:xfrm flipH="false" flipV="false" rot="5400000">
+          <a:xfrm rot="5400000">
             <a:off x="-598671" y="-1743170"/>
             <a:ext cx="4840370" cy="6758253"/>
           </a:xfrm>
@@ -3524,9 +3521,9 @@
             <a:gdLst/>
             <a:ahLst/>
             <a:cxnLst/>
-            <a:rect r="r" b="b" t="t" l="l"/>
+            <a:rect l="l" t="t" r="r" b="b"/>
             <a:pathLst>
-              <a:path h="6758253" w="4840370">
+              <a:path w="4840370" h="6758253">
                 <a:moveTo>
                   <a:pt x="0" y="0"/>
                 </a:moveTo>
@@ -3555,19 +3552,19 @@
               </a:extLst>
             </a:blip>
             <a:stretch>
-              <a:fillRect l="0" t="0" r="0" b="0"/>
+              <a:fillRect/>
             </a:stretch>
           </a:blipFill>
         </p:spPr>
       </p:sp>
       <p:sp>
         <p:nvSpPr>
-          <p:cNvPr name="Freeform 3" id="3"/>
+          <p:cNvPr id="3" name="Freeform 3"/>
           <p:cNvSpPr/>
           <p:nvPr/>
         </p:nvSpPr>
         <p:spPr>
-          <a:xfrm flipH="false" flipV="false" rot="-574333">
+          <a:xfrm rot="-574333">
             <a:off x="-598671" y="5498906"/>
             <a:ext cx="4840370" cy="6758253"/>
           </a:xfrm>
@@ -3576,9 +3573,9 @@
             <a:gdLst/>
             <a:ahLst/>
             <a:cxnLst/>
-            <a:rect r="r" b="b" t="t" l="l"/>
+            <a:rect l="l" t="t" r="r" b="b"/>
             <a:pathLst>
-              <a:path h="6758253" w="4840370">
+              <a:path w="4840370" h="6758253">
                 <a:moveTo>
                   <a:pt x="0" y="0"/>
                 </a:moveTo>
@@ -3607,19 +3604,19 @@
               </a:extLst>
             </a:blip>
             <a:stretch>
-              <a:fillRect l="0" t="0" r="0" b="0"/>
+              <a:fillRect/>
             </a:stretch>
           </a:blipFill>
         </p:spPr>
       </p:sp>
       <p:sp>
         <p:nvSpPr>
-          <p:cNvPr name="Freeform 4" id="4"/>
+          <p:cNvPr id="4" name="Freeform 4"/>
           <p:cNvSpPr/>
           <p:nvPr/>
         </p:nvSpPr>
         <p:spPr>
-          <a:xfrm flipH="false" flipV="false" rot="0">
+          <a:xfrm>
             <a:off x="8065455" y="0"/>
             <a:ext cx="10222545" cy="10287000"/>
           </a:xfrm>
@@ -3628,9 +3625,9 @@
             <a:gdLst/>
             <a:ahLst/>
             <a:cxnLst/>
-            <a:rect r="r" b="b" t="t" l="l"/>
+            <a:rect l="l" t="t" r="r" b="b"/>
             <a:pathLst>
-              <a:path h="10287000" w="10222545">
+              <a:path w="10222545" h="10287000">
                 <a:moveTo>
                   <a:pt x="0" y="0"/>
                 </a:moveTo>
@@ -3653,19 +3650,19 @@
           <a:blipFill>
             <a:blip r:embed="rId6"/>
             <a:stretch>
-              <a:fillRect l="-630" t="0" r="0" b="0"/>
+              <a:fillRect l="-630"/>
             </a:stretch>
           </a:blipFill>
         </p:spPr>
       </p:sp>
       <p:grpSp>
         <p:nvGrpSpPr>
-          <p:cNvPr name="Group 5" id="5"/>
+          <p:cNvPr id="5" name="Group 5"/>
           <p:cNvGrpSpPr/>
           <p:nvPr/>
         </p:nvGrpSpPr>
         <p:grpSpPr>
-          <a:xfrm rot="0">
+          <a:xfrm>
             <a:off x="14227136" y="1752010"/>
             <a:ext cx="1214090" cy="258286"/>
             <a:chOff x="0" y="0"/>
@@ -3674,12 +3671,12 @@
         </p:grpSpPr>
         <p:sp>
           <p:nvSpPr>
-            <p:cNvPr name="Freeform 6" id="6"/>
+            <p:cNvPr id="6" name="Freeform 6"/>
             <p:cNvSpPr/>
             <p:nvPr/>
           </p:nvSpPr>
           <p:spPr>
-            <a:xfrm flipH="false" flipV="false" rot="0">
+            <a:xfrm>
               <a:off x="0" y="0"/>
               <a:ext cx="319760" cy="68026"/>
             </a:xfrm>
@@ -3688,9 +3685,9 @@
               <a:gdLst/>
               <a:ahLst/>
               <a:cxnLst/>
-              <a:rect r="r" b="b" t="t" l="l"/>
+              <a:rect l="l" t="t" r="r" b="b"/>
               <a:pathLst>
-                <a:path h="68026" w="319760">
+                <a:path w="319760" h="68026">
                   <a:moveTo>
                     <a:pt x="0" y="0"/>
                   </a:moveTo>
@@ -3714,8 +3711,8 @@
         </p:sp>
         <p:sp>
           <p:nvSpPr>
-            <p:cNvPr name="TextBox 7" id="7"/>
-            <p:cNvSpPr txBox="true"/>
+            <p:cNvPr id="7" name="TextBox 7"/>
+            <p:cNvSpPr txBox="1"/>
             <p:nvPr/>
           </p:nvSpPr>
           <p:spPr>
@@ -3728,7 +3725,7 @@
             </a:prstGeom>
           </p:spPr>
           <p:txBody>
-            <a:bodyPr anchor="ctr" rtlCol="false" tIns="50800" lIns="50800" bIns="50800" rIns="50800"/>
+            <a:bodyPr lIns="50800" tIns="50800" rIns="50800" bIns="50800" rtlCol="0" anchor="ctr"/>
             <a:lstStyle/>
             <a:p>
               <a:pPr algn="ctr">
@@ -3736,18 +3733,19 @@
                   <a:spcPts val="2659"/>
                 </a:lnSpc>
               </a:pPr>
+              <a:endParaRPr/>
             </a:p>
           </p:txBody>
         </p:sp>
       </p:grpSp>
       <p:grpSp>
         <p:nvGrpSpPr>
-          <p:cNvPr name="Group 8" id="8"/>
+          <p:cNvPr id="8" name="Group 8"/>
           <p:cNvGrpSpPr/>
           <p:nvPr/>
         </p:nvGrpSpPr>
         <p:grpSpPr>
-          <a:xfrm rot="0">
+          <a:xfrm>
             <a:off x="10216962" y="5143500"/>
             <a:ext cx="1206331" cy="376100"/>
             <a:chOff x="0" y="0"/>
@@ -3756,12 +3754,12 @@
         </p:grpSpPr>
         <p:sp>
           <p:nvSpPr>
-            <p:cNvPr name="Freeform 9" id="9"/>
+            <p:cNvPr id="9" name="Freeform 9"/>
             <p:cNvSpPr/>
             <p:nvPr/>
           </p:nvSpPr>
           <p:spPr>
-            <a:xfrm flipH="false" flipV="false" rot="0">
+            <a:xfrm>
               <a:off x="0" y="0"/>
               <a:ext cx="317717" cy="99055"/>
             </a:xfrm>
@@ -3770,9 +3768,9 @@
               <a:gdLst/>
               <a:ahLst/>
               <a:cxnLst/>
-              <a:rect r="r" b="b" t="t" l="l"/>
+              <a:rect l="l" t="t" r="r" b="b"/>
               <a:pathLst>
-                <a:path h="99055" w="317717">
+                <a:path w="317717" h="99055">
                   <a:moveTo>
                     <a:pt x="0" y="0"/>
                   </a:moveTo>
@@ -3796,8 +3794,8 @@
         </p:sp>
         <p:sp>
           <p:nvSpPr>
-            <p:cNvPr name="TextBox 10" id="10"/>
-            <p:cNvSpPr txBox="true"/>
+            <p:cNvPr id="10" name="TextBox 10"/>
+            <p:cNvSpPr txBox="1"/>
             <p:nvPr/>
           </p:nvSpPr>
           <p:spPr>
@@ -3810,7 +3808,7 @@
             </a:prstGeom>
           </p:spPr>
           <p:txBody>
-            <a:bodyPr anchor="ctr" rtlCol="false" tIns="50800" lIns="50800" bIns="50800" rIns="50800"/>
+            <a:bodyPr lIns="50800" tIns="50800" rIns="50800" bIns="50800" rtlCol="0" anchor="ctr"/>
             <a:lstStyle/>
             <a:p>
               <a:pPr algn="ctr">
@@ -3818,18 +3816,19 @@
                   <a:spcPts val="2519"/>
                 </a:lnSpc>
               </a:pPr>
+              <a:endParaRPr/>
             </a:p>
           </p:txBody>
         </p:sp>
       </p:grpSp>
       <p:grpSp>
         <p:nvGrpSpPr>
-          <p:cNvPr name="Group 11" id="11"/>
+          <p:cNvPr id="11" name="Group 11"/>
           <p:cNvGrpSpPr/>
           <p:nvPr/>
         </p:nvGrpSpPr>
         <p:grpSpPr>
-          <a:xfrm rot="0">
+          <a:xfrm>
             <a:off x="8723948" y="1449705"/>
             <a:ext cx="114300" cy="215265"/>
             <a:chOff x="0" y="0"/>
@@ -3838,12 +3837,12 @@
         </p:grpSpPr>
         <p:sp>
           <p:nvSpPr>
-            <p:cNvPr name="Freeform 12" id="12"/>
+            <p:cNvPr id="12" name="Freeform 12"/>
             <p:cNvSpPr/>
             <p:nvPr/>
           </p:nvSpPr>
           <p:spPr>
-            <a:xfrm flipH="false" flipV="false" rot="0">
+            <a:xfrm>
               <a:off x="39370" y="50800"/>
               <a:ext cx="62230" cy="185420"/>
             </a:xfrm>
@@ -3852,9 +3851,9 @@
               <a:gdLst/>
               <a:ahLst/>
               <a:cxnLst/>
-              <a:rect r="r" b="b" t="t" l="l"/>
+              <a:rect l="l" t="t" r="r" b="b"/>
               <a:pathLst>
-                <a:path h="185420" w="62230">
+                <a:path w="62230" h="185420">
                   <a:moveTo>
                     <a:pt x="62230" y="25400"/>
                   </a:moveTo>
@@ -3924,12 +3923,12 @@
       </p:grpSp>
       <p:grpSp>
         <p:nvGrpSpPr>
-          <p:cNvPr name="Group 13" id="13"/>
+          <p:cNvPr id="13" name="Group 13"/>
           <p:cNvGrpSpPr/>
           <p:nvPr/>
         </p:nvGrpSpPr>
         <p:grpSpPr>
-          <a:xfrm rot="0">
+          <a:xfrm>
             <a:off x="8979665" y="6213595"/>
             <a:ext cx="1087363" cy="434273"/>
             <a:chOff x="0" y="0"/>
@@ -3938,12 +3937,12 @@
         </p:grpSpPr>
         <p:sp>
           <p:nvSpPr>
-            <p:cNvPr name="Freeform 14" id="14"/>
+            <p:cNvPr id="14" name="Freeform 14"/>
             <p:cNvSpPr/>
             <p:nvPr/>
           </p:nvSpPr>
           <p:spPr>
-            <a:xfrm flipH="false" flipV="false" rot="0">
+            <a:xfrm>
               <a:off x="0" y="0"/>
               <a:ext cx="286384" cy="114376"/>
             </a:xfrm>
@@ -3952,9 +3951,9 @@
               <a:gdLst/>
               <a:ahLst/>
               <a:cxnLst/>
-              <a:rect r="r" b="b" t="t" l="l"/>
+              <a:rect l="l" t="t" r="r" b="b"/>
               <a:pathLst>
-                <a:path h="114376" w="286384">
+                <a:path w="286384" h="114376">
                   <a:moveTo>
                     <a:pt x="0" y="0"/>
                   </a:moveTo>
@@ -3978,8 +3977,8 @@
         </p:sp>
         <p:sp>
           <p:nvSpPr>
-            <p:cNvPr name="TextBox 15" id="15"/>
-            <p:cNvSpPr txBox="true"/>
+            <p:cNvPr id="15" name="TextBox 15"/>
+            <p:cNvSpPr txBox="1"/>
             <p:nvPr/>
           </p:nvSpPr>
           <p:spPr>
@@ -3992,7 +3991,7 @@
             </a:prstGeom>
           </p:spPr>
           <p:txBody>
-            <a:bodyPr anchor="ctr" rtlCol="false" tIns="50800" lIns="50800" bIns="50800" rIns="50800"/>
+            <a:bodyPr lIns="50800" tIns="50800" rIns="50800" bIns="50800" rtlCol="0" anchor="ctr"/>
             <a:lstStyle/>
             <a:p>
               <a:pPr algn="ctr">
@@ -4000,18 +3999,19 @@
                   <a:spcPts val="2519"/>
                 </a:lnSpc>
               </a:pPr>
+              <a:endParaRPr/>
             </a:p>
           </p:txBody>
         </p:sp>
       </p:grpSp>
       <p:sp>
         <p:nvSpPr>
-          <p:cNvPr name="TextBox 16" id="16"/>
-          <p:cNvSpPr txBox="true"/>
+          <p:cNvPr id="16" name="TextBox 16"/>
+          <p:cNvSpPr txBox="1"/>
           <p:nvPr/>
         </p:nvSpPr>
         <p:spPr>
-          <a:xfrm rot="0">
+          <a:xfrm>
             <a:off x="14413424" y="1713910"/>
             <a:ext cx="919838" cy="306706"/>
           </a:xfrm>
@@ -4020,7 +4020,7 @@
           </a:prstGeom>
         </p:spPr>
         <p:txBody>
-          <a:bodyPr anchor="t" rtlCol="false" tIns="0" lIns="0" bIns="0" rIns="0">
+          <a:bodyPr lIns="0" tIns="0" rIns="0" bIns="0" rtlCol="0" anchor="t">
             <a:spAutoFit/>
           </a:bodyPr>
           <a:lstStyle/>
@@ -4034,7 +4034,7 @@
               </a:spcBef>
             </a:pPr>
             <a:r>
-              <a:rPr lang="en-US" b="true" sz="1799">
+              <a:rPr lang="en-US" sz="1799" b="1">
                 <a:solidFill>
                   <a:srgbClr val="545454"/>
                 </a:solidFill>
@@ -4050,12 +4050,12 @@
       </p:sp>
       <p:sp>
         <p:nvSpPr>
-          <p:cNvPr name="TextBox 17" id="17"/>
-          <p:cNvSpPr txBox="true"/>
+          <p:cNvPr id="17" name="TextBox 17"/>
+          <p:cNvSpPr txBox="1"/>
           <p:nvPr/>
         </p:nvSpPr>
         <p:spPr>
-          <a:xfrm rot="0">
+          <a:xfrm>
             <a:off x="14227136" y="409489"/>
             <a:ext cx="841515" cy="306706"/>
           </a:xfrm>
@@ -4064,7 +4064,7 @@
           </a:prstGeom>
         </p:spPr>
         <p:txBody>
-          <a:bodyPr anchor="t" rtlCol="false" tIns="0" lIns="0" bIns="0" rIns="0">
+          <a:bodyPr lIns="0" tIns="0" rIns="0" bIns="0" rtlCol="0" anchor="t">
             <a:spAutoFit/>
           </a:bodyPr>
           <a:lstStyle/>
@@ -4078,7 +4078,7 @@
               </a:spcBef>
             </a:pPr>
             <a:r>
-              <a:rPr lang="en-US" b="true" sz="1799">
+              <a:rPr lang="en-US" sz="1799" b="1">
                 <a:solidFill>
                   <a:srgbClr val="545454"/>
                 </a:solidFill>
@@ -4094,12 +4094,12 @@
       </p:sp>
       <p:sp>
         <p:nvSpPr>
-          <p:cNvPr name="TextBox 18" id="18"/>
-          <p:cNvSpPr txBox="true"/>
+          <p:cNvPr id="18" name="TextBox 18"/>
+          <p:cNvSpPr txBox="1"/>
           <p:nvPr/>
         </p:nvSpPr>
         <p:spPr>
-          <a:xfrm rot="0">
+          <a:xfrm>
             <a:off x="10308166" y="5159147"/>
             <a:ext cx="1115127" cy="306706"/>
           </a:xfrm>
@@ -4108,7 +4108,7 @@
           </a:prstGeom>
         </p:spPr>
         <p:txBody>
-          <a:bodyPr anchor="t" rtlCol="false" tIns="0" lIns="0" bIns="0" rIns="0">
+          <a:bodyPr lIns="0" tIns="0" rIns="0" bIns="0" rtlCol="0" anchor="t">
             <a:spAutoFit/>
           </a:bodyPr>
           <a:lstStyle/>
@@ -4122,7 +4122,7 @@
               </a:spcBef>
             </a:pPr>
             <a:r>
-              <a:rPr lang="en-US" b="true" sz="1799">
+              <a:rPr lang="en-US" sz="1799" b="1">
                 <a:solidFill>
                   <a:srgbClr val="545454"/>
                 </a:solidFill>
@@ -4138,12 +4138,12 @@
       </p:sp>
       <p:sp>
         <p:nvSpPr>
-          <p:cNvPr name="TextBox 19" id="19"/>
-          <p:cNvSpPr txBox="true"/>
+          <p:cNvPr id="19" name="TextBox 19"/>
+          <p:cNvSpPr txBox="1"/>
           <p:nvPr/>
         </p:nvSpPr>
         <p:spPr>
-          <a:xfrm rot="0">
+          <a:xfrm>
             <a:off x="9063427" y="6258329"/>
             <a:ext cx="919838" cy="306706"/>
           </a:xfrm>
@@ -4152,7 +4152,7 @@
           </a:prstGeom>
         </p:spPr>
         <p:txBody>
-          <a:bodyPr anchor="t" rtlCol="false" tIns="0" lIns="0" bIns="0" rIns="0">
+          <a:bodyPr lIns="0" tIns="0" rIns="0" bIns="0" rtlCol="0" anchor="t">
             <a:spAutoFit/>
           </a:bodyPr>
           <a:lstStyle/>
@@ -4166,7 +4166,7 @@
               </a:spcBef>
             </a:pPr>
             <a:r>
-              <a:rPr lang="en-US" b="true" sz="1799">
+              <a:rPr lang="en-US" sz="1799" b="1">
                 <a:solidFill>
                   <a:srgbClr val="545454"/>
                 </a:solidFill>
@@ -4182,12 +4182,12 @@
       </p:sp>
       <p:sp>
         <p:nvSpPr>
-          <p:cNvPr name="TextBox 20" id="20"/>
-          <p:cNvSpPr txBox="true"/>
+          <p:cNvPr id="20" name="TextBox 20"/>
+          <p:cNvSpPr txBox="1"/>
           <p:nvPr/>
         </p:nvSpPr>
         <p:spPr>
-          <a:xfrm rot="0">
+          <a:xfrm>
             <a:off x="766269" y="3148674"/>
             <a:ext cx="5890879" cy="3658870"/>
           </a:xfrm>
@@ -4196,7 +4196,7 @@
           </a:prstGeom>
         </p:spPr>
         <p:txBody>
-          <a:bodyPr anchor="t" rtlCol="false" tIns="0" lIns="0" bIns="0" rIns="0">
+          <a:bodyPr lIns="0" tIns="0" rIns="0" bIns="0" rtlCol="0" anchor="t">
             <a:spAutoFit/>
           </a:bodyPr>
           <a:lstStyle/>
@@ -4207,7 +4207,7 @@
               </a:lnSpc>
             </a:pPr>
             <a:r>
-              <a:rPr lang="en-US" sz="5199" b="true">
+              <a:rPr lang="en-US" sz="5199" b="1">
                 <a:solidFill>
                   <a:srgbClr val="545454"/>
                 </a:solidFill>
@@ -4230,13 +4230,14 @@
 </file>
 
 <file path=ppt/slides/slide3.xml><?xml version="1.0" encoding="utf-8"?>
-<p:sld xmlns:p="http://schemas.openxmlformats.org/presentationml/2006/main" xmlns:a="http://schemas.openxmlformats.org/drawingml/2006/main" xmlns:r="http://schemas.openxmlformats.org/officeDocument/2006/relationships">
+<p:sld xmlns:a="http://schemas.openxmlformats.org/drawingml/2006/main" xmlns:r="http://schemas.openxmlformats.org/officeDocument/2006/relationships" xmlns:p="http://schemas.openxmlformats.org/presentationml/2006/main">
   <p:cSld>
     <p:bg>
       <p:bgPr>
         <a:solidFill>
           <a:srgbClr val="E9E9E9"/>
         </a:solidFill>
+        <a:effectLst/>
       </p:bgPr>
     </p:bg>
     <p:spTree>
@@ -4255,12 +4256,12 @@
       </p:grpSpPr>
       <p:sp>
         <p:nvSpPr>
-          <p:cNvPr name="TextBox 2" id="2"/>
-          <p:cNvSpPr txBox="true"/>
+          <p:cNvPr id="2" name="TextBox 2"/>
+          <p:cNvSpPr txBox="1"/>
           <p:nvPr/>
         </p:nvSpPr>
         <p:spPr>
-          <a:xfrm rot="0">
+          <a:xfrm>
             <a:off x="9139238" y="4971097"/>
             <a:ext cx="9525" cy="306706"/>
           </a:xfrm>
@@ -4269,7 +4270,7 @@
           </a:prstGeom>
         </p:spPr>
         <p:txBody>
-          <a:bodyPr anchor="t" rtlCol="false" tIns="0" lIns="0" bIns="0" rIns="0">
+          <a:bodyPr lIns="0" tIns="0" rIns="0" bIns="0" rtlCol="0" anchor="t">
             <a:spAutoFit/>
           </a:bodyPr>
           <a:lstStyle/>
@@ -4282,26 +4283,27 @@
                 <a:spcPct val="0"/>
               </a:spcBef>
             </a:pPr>
-          </a:p>
-        </p:txBody>
-      </p:sp>
-      <p:sp>
-        <p:nvSpPr>
-          <p:cNvPr name="TextBox 3" id="3"/>
-          <p:cNvSpPr txBox="true"/>
+            <a:endParaRPr/>
+          </a:p>
+        </p:txBody>
+      </p:sp>
+      <p:sp>
+        <p:nvSpPr>
+          <p:cNvPr id="3" name="TextBox 3"/>
+          <p:cNvSpPr txBox="1"/>
           <p:nvPr/>
         </p:nvSpPr>
         <p:spPr>
-          <a:xfrm rot="0">
+          <a:xfrm>
             <a:off x="9525" y="-289554"/>
-            <a:ext cx="18278475" cy="2503158"/>
+            <a:ext cx="18278475" cy="1117101"/>
           </a:xfrm>
           <a:prstGeom prst="rect">
             <a:avLst/>
           </a:prstGeom>
         </p:spPr>
         <p:txBody>
-          <a:bodyPr anchor="t" rtlCol="false" tIns="0" lIns="0" bIns="0" rIns="0">
+          <a:bodyPr lIns="0" tIns="0" rIns="0" bIns="0" rtlCol="0" anchor="t">
             <a:spAutoFit/>
           </a:bodyPr>
           <a:lstStyle/>
@@ -4312,7 +4314,7 @@
               </a:lnSpc>
             </a:pPr>
             <a:r>
-              <a:rPr lang="en-US" sz="7200" b="true">
+              <a:rPr lang="en-US" sz="4400" b="1" dirty="0">
                 <a:solidFill>
                   <a:srgbClr val="000000"/>
                 </a:solidFill>
@@ -4328,42 +4330,1340 @@
       </p:sp>
       <p:graphicFrame>
         <p:nvGraphicFramePr>
-          <p:cNvPr name="Object 4" id="4"/>
-          <p:cNvGraphicFramePr/>
-          <p:nvPr/>
+          <p:cNvPr id="7" name="Table 6">
+            <a:extLst>
+              <a:ext uri="{FF2B5EF4-FFF2-40B4-BE49-F238E27FC236}">
+                <a16:creationId xmlns:a16="http://schemas.microsoft.com/office/drawing/2014/main" id="{8753FBA5-F2D0-2866-BD2F-4F927C206B09}"/>
+              </a:ext>
+            </a:extLst>
+          </p:cNvPr>
+          <p:cNvGraphicFramePr>
+            <a:graphicFrameLocks noGrp="1"/>
+          </p:cNvGraphicFramePr>
+          <p:nvPr>
+            <p:extLst>
+              <p:ext uri="{D42A27DB-BD31-4B8C-83A1-F6EECF244321}">
+                <p14:modId xmlns:p14="http://schemas.microsoft.com/office/powerpoint/2010/main" val="1575341679"/>
+              </p:ext>
+            </p:extLst>
+          </p:nvPr>
         </p:nvGraphicFramePr>
         <p:xfrm>
-          <a:off x="0" y="2807774"/>
-          <a:ext cx="3771900" cy="3771900"/>
+          <a:off x="-9939" y="1257300"/>
+          <a:ext cx="18268950" cy="8689555"/>
         </p:xfrm>
         <a:graphic>
-          <a:graphicData uri="http://schemas.openxmlformats.org/presentationml/2006/ole">
-            <p:oleObj imgW="4521200" imgH="4521200" r:id="rId3" progId="Excel.Sheet.12" name="Worksheet">
-              <p:embed/>
-              <p:pic>
-                <p:nvPicPr>
-                  <p:cNvPr name="" id="0"/>
-                  <p:cNvPicPr/>
-                  <p:nvPr/>
-                </p:nvPicPr>
-                <p:blipFill>
-                  <a:blip r:embed="rId2"/>
-                  <a:stretch>
-                    <a:fillRect/>
-                  </a:stretch>
-                </p:blipFill>
-                <p:spPr>
-                  <a:xfrm>
-                    <a:off x="1270000" y="1270000"/>
-                    <a:ext cx="1270000" cy="1270000"/>
-                  </a:xfrm>
-                  <a:prstGeom prst="rect"/>
-                </p:spPr>
-              </p:pic>
-            </p:oleObj>
+          <a:graphicData uri="http://schemas.openxmlformats.org/drawingml/2006/table">
+            <a:tbl>
+              <a:tblPr/>
+              <a:tblGrid>
+                <a:gridCol w="6089650">
+                  <a:extLst>
+                    <a:ext uri="{9D8B030D-6E8A-4147-A177-3AD203B41FA5}">
+                      <a16:colId xmlns:a16="http://schemas.microsoft.com/office/drawing/2014/main" val="159142412"/>
+                    </a:ext>
+                  </a:extLst>
+                </a:gridCol>
+                <a:gridCol w="6089650">
+                  <a:extLst>
+                    <a:ext uri="{9D8B030D-6E8A-4147-A177-3AD203B41FA5}">
+                      <a16:colId xmlns:a16="http://schemas.microsoft.com/office/drawing/2014/main" val="2094312491"/>
+                    </a:ext>
+                  </a:extLst>
+                </a:gridCol>
+                <a:gridCol w="6089650">
+                  <a:extLst>
+                    <a:ext uri="{9D8B030D-6E8A-4147-A177-3AD203B41FA5}">
+                      <a16:colId xmlns:a16="http://schemas.microsoft.com/office/drawing/2014/main" val="4242871166"/>
+                    </a:ext>
+                  </a:extLst>
+                </a:gridCol>
+              </a:tblGrid>
+              <a:tr h="921327">
+                <a:tc>
+                  <a:txBody>
+                    <a:bodyPr/>
+                    <a:lstStyle/>
+                    <a:p>
+                      <a:pPr algn="l"/>
+                      <a:r>
+                        <a:rPr lang="en-IN" sz="2800" dirty="0"/>
+                        <a:t>📦 </a:t>
+                      </a:r>
+                      <a:r>
+                        <a:rPr lang="en-IN" sz="2800" b="1" dirty="0"/>
+                        <a:t>Entity / Relationship</a:t>
+                      </a:r>
+                      <a:endParaRPr lang="en-IN" sz="2800" dirty="0"/>
+                    </a:p>
+                  </a:txBody>
+                  <a:tcPr marL="68575" marR="68575" marT="34288" marB="34288" anchor="ctr">
+                    <a:lnL>
+                      <a:noFill/>
+                    </a:lnL>
+                    <a:lnR>
+                      <a:noFill/>
+                    </a:lnR>
+                    <a:lnT>
+                      <a:noFill/>
+                    </a:lnT>
+                    <a:lnB>
+                      <a:noFill/>
+                    </a:lnB>
+                    <a:noFill/>
+                  </a:tcPr>
+                </a:tc>
+                <a:tc>
+                  <a:txBody>
+                    <a:bodyPr/>
+                    <a:lstStyle/>
+                    <a:p>
+                      <a:pPr algn="l"/>
+                      <a:r>
+                        <a:rPr lang="en-IN" sz="2800" dirty="0"/>
+                        <a:t>📑 </a:t>
+                      </a:r>
+                      <a:r>
+                        <a:rPr lang="en-IN" sz="2800" b="1" dirty="0"/>
+                        <a:t>Relational Table &amp; Attributes</a:t>
+                      </a:r>
+                      <a:endParaRPr lang="en-IN" sz="2800" dirty="0"/>
+                    </a:p>
+                  </a:txBody>
+                  <a:tcPr marL="68575" marR="68575" marT="34288" marB="34288" anchor="ctr">
+                    <a:lnL>
+                      <a:noFill/>
+                    </a:lnL>
+                    <a:lnR>
+                      <a:noFill/>
+                    </a:lnR>
+                    <a:lnT>
+                      <a:noFill/>
+                    </a:lnT>
+                    <a:lnB>
+                      <a:noFill/>
+                    </a:lnB>
+                    <a:noFill/>
+                  </a:tcPr>
+                </a:tc>
+                <a:tc>
+                  <a:txBody>
+                    <a:bodyPr/>
+                    <a:lstStyle/>
+                    <a:p>
+                      <a:pPr algn="l"/>
+                      <a:r>
+                        <a:rPr lang="en-GB" sz="2800"/>
+                        <a:t>🔐 </a:t>
+                      </a:r>
+                      <a:r>
+                        <a:rPr lang="en-GB" sz="2800" b="1"/>
+                        <a:t>Primary Key (PK)</a:t>
+                      </a:r>
+                      <a:r>
+                        <a:rPr lang="en-GB" sz="2800"/>
+                        <a:t> / 🔗 </a:t>
+                      </a:r>
+                      <a:r>
+                        <a:rPr lang="en-GB" sz="2800" b="1"/>
+                        <a:t>Foreign Key (FK)</a:t>
+                      </a:r>
+                      <a:endParaRPr lang="en-GB" sz="2800"/>
+                    </a:p>
+                  </a:txBody>
+                  <a:tcPr marL="68575" marR="68575" marT="34288" marB="34288" anchor="ctr">
+                    <a:lnL>
+                      <a:noFill/>
+                    </a:lnL>
+                    <a:lnR>
+                      <a:noFill/>
+                    </a:lnR>
+                    <a:lnT>
+                      <a:noFill/>
+                    </a:lnT>
+                    <a:lnB>
+                      <a:noFill/>
+                    </a:lnB>
+                    <a:noFill/>
+                  </a:tcPr>
+                </a:tc>
+                <a:extLst>
+                  <a:ext uri="{0D108BD9-81ED-4DB2-BD59-A6C34878D82A}">
+                    <a16:rowId xmlns:a16="http://schemas.microsoft.com/office/drawing/2014/main" val="354220229"/>
+                  </a:ext>
+                </a:extLst>
+              </a:tr>
+              <a:tr h="1316183">
+                <a:tc>
+                  <a:txBody>
+                    <a:bodyPr/>
+                    <a:lstStyle/>
+                    <a:p>
+                      <a:pPr algn="l"/>
+                      <a:r>
+                        <a:rPr lang="en-IN" sz="2800" b="1"/>
+                        <a:t>Student</a:t>
+                      </a:r>
+                      <a:endParaRPr lang="en-IN" sz="2800"/>
+                    </a:p>
+                  </a:txBody>
+                  <a:tcPr marL="68575" marR="68575" marT="34288" marB="34288" anchor="ctr">
+                    <a:lnL>
+                      <a:noFill/>
+                    </a:lnL>
+                    <a:lnR>
+                      <a:noFill/>
+                    </a:lnR>
+                    <a:lnT>
+                      <a:noFill/>
+                    </a:lnT>
+                    <a:lnB>
+                      <a:noFill/>
+                    </a:lnB>
+                    <a:noFill/>
+                  </a:tcPr>
+                </a:tc>
+                <a:tc>
+                  <a:txBody>
+                    <a:bodyPr/>
+                    <a:lstStyle/>
+                    <a:p>
+                      <a:pPr algn="l"/>
+                      <a:r>
+                        <a:rPr lang="en-IN" sz="2800" dirty="0"/>
+                        <a:t>Student(</a:t>
+                      </a:r>
+                      <a:r>
+                        <a:rPr lang="en-IN" sz="2800" dirty="0" err="1"/>
+                        <a:t>StudentID</a:t>
+                      </a:r>
+                      <a:r>
+                        <a:rPr lang="en-IN" sz="2800" dirty="0"/>
+                        <a:t> (PK), FirstName, LastName, DOB, Age)</a:t>
+                      </a:r>
+                    </a:p>
+                  </a:txBody>
+                  <a:tcPr marL="68575" marR="68575" marT="34288" marB="34288" anchor="ctr">
+                    <a:lnL>
+                      <a:noFill/>
+                    </a:lnL>
+                    <a:lnR>
+                      <a:noFill/>
+                    </a:lnR>
+                    <a:lnT>
+                      <a:noFill/>
+                    </a:lnT>
+                    <a:lnB>
+                      <a:noFill/>
+                    </a:lnB>
+                    <a:noFill/>
+                  </a:tcPr>
+                </a:tc>
+                <a:tc>
+                  <a:txBody>
+                    <a:bodyPr/>
+                    <a:lstStyle/>
+                    <a:p>
+                      <a:pPr algn="l"/>
+                      <a:r>
+                        <a:rPr lang="en-IN" sz="2800" dirty="0"/>
+                        <a:t>PK: </a:t>
+                      </a:r>
+                      <a:r>
+                        <a:rPr lang="en-IN" sz="2800" dirty="0" err="1"/>
+                        <a:t>StudentID</a:t>
+                      </a:r>
+                      <a:endParaRPr lang="en-IN" sz="2800" dirty="0"/>
+                    </a:p>
+                  </a:txBody>
+                  <a:tcPr marL="68575" marR="68575" marT="34288" marB="34288" anchor="ctr">
+                    <a:lnL>
+                      <a:noFill/>
+                    </a:lnL>
+                    <a:lnR>
+                      <a:noFill/>
+                    </a:lnR>
+                    <a:lnT>
+                      <a:noFill/>
+                    </a:lnT>
+                    <a:lnB>
+                      <a:noFill/>
+                    </a:lnB>
+                    <a:noFill/>
+                  </a:tcPr>
+                </a:tc>
+                <a:extLst>
+                  <a:ext uri="{0D108BD9-81ED-4DB2-BD59-A6C34878D82A}">
+                    <a16:rowId xmlns:a16="http://schemas.microsoft.com/office/drawing/2014/main" val="517173254"/>
+                  </a:ext>
+                </a:extLst>
+              </a:tr>
+              <a:tr h="921327">
+                <a:tc>
+                  <a:txBody>
+                    <a:bodyPr/>
+                    <a:lstStyle/>
+                    <a:p>
+                      <a:pPr algn="l"/>
+                      <a:r>
+                        <a:rPr lang="en-IN" sz="2800" b="1"/>
+                        <a:t>Multivalued Attribute (Phone)</a:t>
+                      </a:r>
+                      <a:endParaRPr lang="en-IN" sz="2800"/>
+                    </a:p>
+                  </a:txBody>
+                  <a:tcPr marL="68575" marR="68575" marT="34288" marB="34288" anchor="ctr">
+                    <a:lnL>
+                      <a:noFill/>
+                    </a:lnL>
+                    <a:lnR>
+                      <a:noFill/>
+                    </a:lnR>
+                    <a:lnT>
+                      <a:noFill/>
+                    </a:lnT>
+                    <a:lnB>
+                      <a:noFill/>
+                    </a:lnB>
+                    <a:noFill/>
+                  </a:tcPr>
+                </a:tc>
+                <a:tc>
+                  <a:txBody>
+                    <a:bodyPr/>
+                    <a:lstStyle/>
+                    <a:p>
+                      <a:pPr algn="l"/>
+                      <a:r>
+                        <a:rPr lang="en-IN" sz="2800"/>
+                        <a:t>StudentPhone(StudentID (FK), Phone)</a:t>
+                      </a:r>
+                    </a:p>
+                  </a:txBody>
+                  <a:tcPr marL="68575" marR="68575" marT="34288" marB="34288" anchor="ctr">
+                    <a:lnL>
+                      <a:noFill/>
+                    </a:lnL>
+                    <a:lnR>
+                      <a:noFill/>
+                    </a:lnR>
+                    <a:lnT>
+                      <a:noFill/>
+                    </a:lnT>
+                    <a:lnB>
+                      <a:noFill/>
+                    </a:lnB>
+                    <a:noFill/>
+                  </a:tcPr>
+                </a:tc>
+                <a:tc>
+                  <a:txBody>
+                    <a:bodyPr/>
+                    <a:lstStyle/>
+                    <a:p>
+                      <a:pPr algn="l"/>
+                      <a:r>
+                        <a:rPr lang="en-IN" sz="2800"/>
+                        <a:t>Composite PK: StudentID + Phone</a:t>
+                      </a:r>
+                    </a:p>
+                  </a:txBody>
+                  <a:tcPr marL="68575" marR="68575" marT="34288" marB="34288" anchor="ctr">
+                    <a:lnL>
+                      <a:noFill/>
+                    </a:lnL>
+                    <a:lnR>
+                      <a:noFill/>
+                    </a:lnR>
+                    <a:lnT>
+                      <a:noFill/>
+                    </a:lnT>
+                    <a:lnB>
+                      <a:noFill/>
+                    </a:lnB>
+                    <a:noFill/>
+                  </a:tcPr>
+                </a:tc>
+                <a:extLst>
+                  <a:ext uri="{0D108BD9-81ED-4DB2-BD59-A6C34878D82A}">
+                    <a16:rowId xmlns:a16="http://schemas.microsoft.com/office/drawing/2014/main" val="3522894480"/>
+                  </a:ext>
+                </a:extLst>
+              </a:tr>
+              <a:tr h="921327">
+                <a:tc>
+                  <a:txBody>
+                    <a:bodyPr/>
+                    <a:lstStyle/>
+                    <a:p>
+                      <a:pPr algn="l"/>
+                      <a:r>
+                        <a:rPr lang="en-IN" sz="2800" b="1" dirty="0"/>
+                        <a:t>Exam</a:t>
+                      </a:r>
+                      <a:endParaRPr lang="en-IN" sz="2800" dirty="0"/>
+                    </a:p>
+                  </a:txBody>
+                  <a:tcPr marL="68575" marR="68575" marT="34288" marB="34288" anchor="ctr">
+                    <a:lnL>
+                      <a:noFill/>
+                    </a:lnL>
+                    <a:lnR>
+                      <a:noFill/>
+                    </a:lnR>
+                    <a:lnT>
+                      <a:noFill/>
+                    </a:lnT>
+                    <a:lnB>
+                      <a:noFill/>
+                    </a:lnB>
+                    <a:noFill/>
+                  </a:tcPr>
+                </a:tc>
+                <a:tc>
+                  <a:txBody>
+                    <a:bodyPr/>
+                    <a:lstStyle/>
+                    <a:p>
+                      <a:pPr algn="l"/>
+                      <a:r>
+                        <a:rPr lang="pt-BR" sz="2800"/>
+                        <a:t>Exam(ExamID (PK), Date, InvigilatorID (FK))</a:t>
+                      </a:r>
+                    </a:p>
+                  </a:txBody>
+                  <a:tcPr marL="68575" marR="68575" marT="34288" marB="34288" anchor="ctr">
+                    <a:lnL>
+                      <a:noFill/>
+                    </a:lnL>
+                    <a:lnR>
+                      <a:noFill/>
+                    </a:lnR>
+                    <a:lnT>
+                      <a:noFill/>
+                    </a:lnT>
+                    <a:lnB>
+                      <a:noFill/>
+                    </a:lnB>
+                    <a:noFill/>
+                  </a:tcPr>
+                </a:tc>
+                <a:tc>
+                  <a:txBody>
+                    <a:bodyPr/>
+                    <a:lstStyle/>
+                    <a:p>
+                      <a:pPr algn="l"/>
+                      <a:r>
+                        <a:rPr lang="en-IN" sz="2800"/>
+                        <a:t>PK: ExamID, FK: InvigilatorID</a:t>
+                      </a:r>
+                    </a:p>
+                  </a:txBody>
+                  <a:tcPr marL="68575" marR="68575" marT="34288" marB="34288" anchor="ctr">
+                    <a:lnL>
+                      <a:noFill/>
+                    </a:lnL>
+                    <a:lnR>
+                      <a:noFill/>
+                    </a:lnR>
+                    <a:lnT>
+                      <a:noFill/>
+                    </a:lnT>
+                    <a:lnB>
+                      <a:noFill/>
+                    </a:lnB>
+                    <a:noFill/>
+                  </a:tcPr>
+                </a:tc>
+                <a:extLst>
+                  <a:ext uri="{0D108BD9-81ED-4DB2-BD59-A6C34878D82A}">
+                    <a16:rowId xmlns:a16="http://schemas.microsoft.com/office/drawing/2014/main" val="97357332"/>
+                  </a:ext>
+                </a:extLst>
+              </a:tr>
+              <a:tr h="921327">
+                <a:tc>
+                  <a:txBody>
+                    <a:bodyPr/>
+                    <a:lstStyle/>
+                    <a:p>
+                      <a:pPr algn="l"/>
+                      <a:r>
+                        <a:rPr lang="en-IN" sz="2800" b="1"/>
+                        <a:t>Subject</a:t>
+                      </a:r>
+                      <a:endParaRPr lang="en-IN" sz="2800"/>
+                    </a:p>
+                  </a:txBody>
+                  <a:tcPr marL="68575" marR="68575" marT="34288" marB="34288" anchor="ctr">
+                    <a:lnL>
+                      <a:noFill/>
+                    </a:lnL>
+                    <a:lnR>
+                      <a:noFill/>
+                    </a:lnR>
+                    <a:lnT>
+                      <a:noFill/>
+                    </a:lnT>
+                    <a:lnB>
+                      <a:noFill/>
+                    </a:lnB>
+                    <a:noFill/>
+                  </a:tcPr>
+                </a:tc>
+                <a:tc>
+                  <a:txBody>
+                    <a:bodyPr/>
+                    <a:lstStyle/>
+                    <a:p>
+                      <a:pPr algn="l"/>
+                      <a:r>
+                        <a:rPr lang="en-IN" sz="2800"/>
+                        <a:t>Subject(SubjectCode (PK), Title)</a:t>
+                      </a:r>
+                    </a:p>
+                  </a:txBody>
+                  <a:tcPr marL="68575" marR="68575" marT="34288" marB="34288" anchor="ctr">
+                    <a:lnL>
+                      <a:noFill/>
+                    </a:lnL>
+                    <a:lnR>
+                      <a:noFill/>
+                    </a:lnR>
+                    <a:lnT>
+                      <a:noFill/>
+                    </a:lnT>
+                    <a:lnB>
+                      <a:noFill/>
+                    </a:lnB>
+                    <a:noFill/>
+                  </a:tcPr>
+                </a:tc>
+                <a:tc>
+                  <a:txBody>
+                    <a:bodyPr/>
+                    <a:lstStyle/>
+                    <a:p>
+                      <a:pPr algn="l"/>
+                      <a:r>
+                        <a:rPr lang="en-IN" sz="2800"/>
+                        <a:t>PK: SubjectCode</a:t>
+                      </a:r>
+                    </a:p>
+                  </a:txBody>
+                  <a:tcPr marL="68575" marR="68575" marT="34288" marB="34288" anchor="ctr">
+                    <a:lnL>
+                      <a:noFill/>
+                    </a:lnL>
+                    <a:lnR>
+                      <a:noFill/>
+                    </a:lnR>
+                    <a:lnT>
+                      <a:noFill/>
+                    </a:lnT>
+                    <a:lnB>
+                      <a:noFill/>
+                    </a:lnB>
+                    <a:noFill/>
+                  </a:tcPr>
+                </a:tc>
+                <a:extLst>
+                  <a:ext uri="{0D108BD9-81ED-4DB2-BD59-A6C34878D82A}">
+                    <a16:rowId xmlns:a16="http://schemas.microsoft.com/office/drawing/2014/main" val="3703131833"/>
+                  </a:ext>
+                </a:extLst>
+              </a:tr>
+              <a:tr h="921327">
+                <a:tc>
+                  <a:txBody>
+                    <a:bodyPr/>
+                    <a:lstStyle/>
+                    <a:p>
+                      <a:pPr algn="l"/>
+                      <a:r>
+                        <a:rPr lang="en-IN" sz="2800" b="1"/>
+                        <a:t>Invigilator</a:t>
+                      </a:r>
+                      <a:endParaRPr lang="en-IN" sz="2800"/>
+                    </a:p>
+                  </a:txBody>
+                  <a:tcPr marL="68575" marR="68575" marT="34288" marB="34288" anchor="ctr">
+                    <a:lnL>
+                      <a:noFill/>
+                    </a:lnL>
+                    <a:lnR>
+                      <a:noFill/>
+                    </a:lnR>
+                    <a:lnT>
+                      <a:noFill/>
+                    </a:lnT>
+                    <a:lnB>
+                      <a:noFill/>
+                    </a:lnB>
+                    <a:noFill/>
+                  </a:tcPr>
+                </a:tc>
+                <a:tc>
+                  <a:txBody>
+                    <a:bodyPr/>
+                    <a:lstStyle/>
+                    <a:p>
+                      <a:pPr algn="l"/>
+                      <a:r>
+                        <a:rPr lang="en-IN" sz="2800"/>
+                        <a:t>Invigilator(InvigilatorID (PK), Name)</a:t>
+                      </a:r>
+                    </a:p>
+                  </a:txBody>
+                  <a:tcPr marL="68575" marR="68575" marT="34288" marB="34288" anchor="ctr">
+                    <a:lnL>
+                      <a:noFill/>
+                    </a:lnL>
+                    <a:lnR>
+                      <a:noFill/>
+                    </a:lnR>
+                    <a:lnT>
+                      <a:noFill/>
+                    </a:lnT>
+                    <a:lnB>
+                      <a:noFill/>
+                    </a:lnB>
+                    <a:noFill/>
+                  </a:tcPr>
+                </a:tc>
+                <a:tc>
+                  <a:txBody>
+                    <a:bodyPr/>
+                    <a:lstStyle/>
+                    <a:p>
+                      <a:pPr algn="l"/>
+                      <a:r>
+                        <a:rPr lang="en-IN" sz="2800"/>
+                        <a:t>PK: InvigilatorID</a:t>
+                      </a:r>
+                    </a:p>
+                  </a:txBody>
+                  <a:tcPr marL="68575" marR="68575" marT="34288" marB="34288" anchor="ctr">
+                    <a:lnL>
+                      <a:noFill/>
+                    </a:lnL>
+                    <a:lnR>
+                      <a:noFill/>
+                    </a:lnR>
+                    <a:lnT>
+                      <a:noFill/>
+                    </a:lnT>
+                    <a:lnB>
+                      <a:noFill/>
+                    </a:lnB>
+                    <a:noFill/>
+                  </a:tcPr>
+                </a:tc>
+                <a:extLst>
+                  <a:ext uri="{0D108BD9-81ED-4DB2-BD59-A6C34878D82A}">
+                    <a16:rowId xmlns:a16="http://schemas.microsoft.com/office/drawing/2014/main" val="1872953196"/>
+                  </a:ext>
+                </a:extLst>
+              </a:tr>
+              <a:tr h="921327">
+                <a:tc>
+                  <a:txBody>
+                    <a:bodyPr/>
+                    <a:lstStyle/>
+                    <a:p>
+                      <a:pPr algn="l"/>
+                      <a:r>
+                        <a:rPr lang="en-IN" sz="2800" b="1"/>
+                        <a:t>Student-Exam Relationship (registers)</a:t>
+                      </a:r>
+                      <a:endParaRPr lang="en-IN" sz="2800"/>
+                    </a:p>
+                  </a:txBody>
+                  <a:tcPr marL="68575" marR="68575" marT="34288" marB="34288" anchor="ctr">
+                    <a:lnL>
+                      <a:noFill/>
+                    </a:lnL>
+                    <a:lnR>
+                      <a:noFill/>
+                    </a:lnR>
+                    <a:lnT>
+                      <a:noFill/>
+                    </a:lnT>
+                    <a:lnB>
+                      <a:noFill/>
+                    </a:lnB>
+                    <a:noFill/>
+                  </a:tcPr>
+                </a:tc>
+                <a:tc>
+                  <a:txBody>
+                    <a:bodyPr/>
+                    <a:lstStyle/>
+                    <a:p>
+                      <a:pPr algn="l"/>
+                      <a:r>
+                        <a:rPr lang="en-IN" sz="2800"/>
+                        <a:t>Register(StudentID (FK), ExamID (FK))</a:t>
+                      </a:r>
+                    </a:p>
+                  </a:txBody>
+                  <a:tcPr marL="68575" marR="68575" marT="34288" marB="34288" anchor="ctr">
+                    <a:lnL>
+                      <a:noFill/>
+                    </a:lnL>
+                    <a:lnR>
+                      <a:noFill/>
+                    </a:lnR>
+                    <a:lnT>
+                      <a:noFill/>
+                    </a:lnT>
+                    <a:lnB>
+                      <a:noFill/>
+                    </a:lnB>
+                    <a:noFill/>
+                  </a:tcPr>
+                </a:tc>
+                <a:tc>
+                  <a:txBody>
+                    <a:bodyPr/>
+                    <a:lstStyle/>
+                    <a:p>
+                      <a:pPr algn="l"/>
+                      <a:r>
+                        <a:rPr lang="en-IN" sz="2800"/>
+                        <a:t>Composite PK: StudentID + ExamID</a:t>
+                      </a:r>
+                    </a:p>
+                  </a:txBody>
+                  <a:tcPr marL="68575" marR="68575" marT="34288" marB="34288" anchor="ctr">
+                    <a:lnL>
+                      <a:noFill/>
+                    </a:lnL>
+                    <a:lnR>
+                      <a:noFill/>
+                    </a:lnR>
+                    <a:lnT>
+                      <a:noFill/>
+                    </a:lnT>
+                    <a:lnB>
+                      <a:noFill/>
+                    </a:lnB>
+                    <a:noFill/>
+                  </a:tcPr>
+                </a:tc>
+                <a:extLst>
+                  <a:ext uri="{0D108BD9-81ED-4DB2-BD59-A6C34878D82A}">
+                    <a16:rowId xmlns:a16="http://schemas.microsoft.com/office/drawing/2014/main" val="3641986494"/>
+                  </a:ext>
+                </a:extLst>
+              </a:tr>
+              <a:tr h="921327">
+                <a:tc>
+                  <a:txBody>
+                    <a:bodyPr/>
+                    <a:lstStyle/>
+                    <a:p>
+                      <a:pPr algn="l"/>
+                      <a:r>
+                        <a:rPr lang="en-IN" sz="2800" b="1"/>
+                        <a:t>Exam-Subject Relationship (includes)</a:t>
+                      </a:r>
+                      <a:endParaRPr lang="en-IN" sz="2800"/>
+                    </a:p>
+                  </a:txBody>
+                  <a:tcPr marL="68575" marR="68575" marT="34288" marB="34288" anchor="ctr">
+                    <a:lnL>
+                      <a:noFill/>
+                    </a:lnL>
+                    <a:lnR>
+                      <a:noFill/>
+                    </a:lnR>
+                    <a:lnT>
+                      <a:noFill/>
+                    </a:lnT>
+                    <a:lnB>
+                      <a:noFill/>
+                    </a:lnB>
+                    <a:noFill/>
+                  </a:tcPr>
+                </a:tc>
+                <a:tc>
+                  <a:txBody>
+                    <a:bodyPr/>
+                    <a:lstStyle/>
+                    <a:p>
+                      <a:pPr algn="l"/>
+                      <a:r>
+                        <a:rPr lang="en-IN" sz="2800"/>
+                        <a:t>ExamSubject(ExamID (FK), SubjectCode (FK))</a:t>
+                      </a:r>
+                    </a:p>
+                  </a:txBody>
+                  <a:tcPr marL="68575" marR="68575" marT="34288" marB="34288" anchor="ctr">
+                    <a:lnL>
+                      <a:noFill/>
+                    </a:lnL>
+                    <a:lnR>
+                      <a:noFill/>
+                    </a:lnR>
+                    <a:lnT>
+                      <a:noFill/>
+                    </a:lnT>
+                    <a:lnB>
+                      <a:noFill/>
+                    </a:lnB>
+                    <a:noFill/>
+                  </a:tcPr>
+                </a:tc>
+                <a:tc>
+                  <a:txBody>
+                    <a:bodyPr/>
+                    <a:lstStyle/>
+                    <a:p>
+                      <a:pPr algn="l"/>
+                      <a:r>
+                        <a:rPr lang="en-IN" sz="2800"/>
+                        <a:t>Composite PK: ExamID + SubjectCode</a:t>
+                      </a:r>
+                    </a:p>
+                  </a:txBody>
+                  <a:tcPr marL="68575" marR="68575" marT="34288" marB="34288" anchor="ctr">
+                    <a:lnL>
+                      <a:noFill/>
+                    </a:lnL>
+                    <a:lnR>
+                      <a:noFill/>
+                    </a:lnR>
+                    <a:lnT>
+                      <a:noFill/>
+                    </a:lnT>
+                    <a:lnB>
+                      <a:noFill/>
+                    </a:lnB>
+                    <a:noFill/>
+                  </a:tcPr>
+                </a:tc>
+                <a:extLst>
+                  <a:ext uri="{0D108BD9-81ED-4DB2-BD59-A6C34878D82A}">
+                    <a16:rowId xmlns:a16="http://schemas.microsoft.com/office/drawing/2014/main" val="2453744844"/>
+                  </a:ext>
+                </a:extLst>
+              </a:tr>
+              <a:tr h="921327">
+                <a:tc>
+                  <a:txBody>
+                    <a:bodyPr/>
+                    <a:lstStyle/>
+                    <a:p>
+                      <a:pPr algn="l"/>
+                      <a:r>
+                        <a:rPr lang="en-IN" sz="2800" b="1" dirty="0"/>
+                        <a:t>Weak Entity: Result</a:t>
+                      </a:r>
+                      <a:endParaRPr lang="en-IN" sz="2800" dirty="0"/>
+                    </a:p>
+                  </a:txBody>
+                  <a:tcPr marL="68575" marR="68575" marT="34288" marB="34288" anchor="ctr">
+                    <a:lnL>
+                      <a:noFill/>
+                    </a:lnL>
+                    <a:lnR>
+                      <a:noFill/>
+                    </a:lnR>
+                    <a:lnT>
+                      <a:noFill/>
+                    </a:lnT>
+                    <a:lnB>
+                      <a:noFill/>
+                    </a:lnB>
+                    <a:noFill/>
+                  </a:tcPr>
+                </a:tc>
+                <a:tc>
+                  <a:txBody>
+                    <a:bodyPr/>
+                    <a:lstStyle/>
+                    <a:p>
+                      <a:pPr algn="l"/>
+                      <a:r>
+                        <a:rPr lang="sv-SE" sz="2800"/>
+                        <a:t>Result(StudentID (FK), ExamID (FK), Marks, Grade)</a:t>
+                      </a:r>
+                    </a:p>
+                  </a:txBody>
+                  <a:tcPr marL="68575" marR="68575" marT="34288" marB="34288" anchor="ctr">
+                    <a:lnL>
+                      <a:noFill/>
+                    </a:lnL>
+                    <a:lnR>
+                      <a:noFill/>
+                    </a:lnR>
+                    <a:lnT>
+                      <a:noFill/>
+                    </a:lnT>
+                    <a:lnB>
+                      <a:noFill/>
+                    </a:lnB>
+                    <a:noFill/>
+                  </a:tcPr>
+                </a:tc>
+                <a:tc>
+                  <a:txBody>
+                    <a:bodyPr/>
+                    <a:lstStyle/>
+                    <a:p>
+                      <a:pPr algn="l"/>
+                      <a:r>
+                        <a:rPr lang="en-IN" sz="2800" dirty="0"/>
+                        <a:t>Composite PK: </a:t>
+                      </a:r>
+                      <a:r>
+                        <a:rPr lang="en-IN" sz="2800" dirty="0" err="1"/>
+                        <a:t>StudentID</a:t>
+                      </a:r>
+                      <a:r>
+                        <a:rPr lang="en-IN" sz="2800" dirty="0"/>
+                        <a:t> + </a:t>
+                      </a:r>
+                      <a:r>
+                        <a:rPr lang="en-IN" sz="2800" dirty="0" err="1"/>
+                        <a:t>ExamID</a:t>
+                      </a:r>
+                      <a:endParaRPr lang="en-IN" sz="2800" dirty="0"/>
+                    </a:p>
+                  </a:txBody>
+                  <a:tcPr marL="68575" marR="68575" marT="34288" marB="34288" anchor="ctr">
+                    <a:lnL>
+                      <a:noFill/>
+                    </a:lnL>
+                    <a:lnR>
+                      <a:noFill/>
+                    </a:lnR>
+                    <a:lnT>
+                      <a:noFill/>
+                    </a:lnT>
+                    <a:lnB>
+                      <a:noFill/>
+                    </a:lnB>
+                    <a:noFill/>
+                  </a:tcPr>
+                </a:tc>
+                <a:extLst>
+                  <a:ext uri="{0D108BD9-81ED-4DB2-BD59-A6C34878D82A}">
+                    <a16:rowId xmlns:a16="http://schemas.microsoft.com/office/drawing/2014/main" val="1976094988"/>
+                  </a:ext>
+                </a:extLst>
+              </a:tr>
+            </a:tbl>
           </a:graphicData>
         </a:graphic>
       </p:graphicFrame>
+      <p:cxnSp>
+        <p:nvCxnSpPr>
+          <p:cNvPr id="9" name="Straight Connector 8">
+            <a:extLst>
+              <a:ext uri="{FF2B5EF4-FFF2-40B4-BE49-F238E27FC236}">
+                <a16:creationId xmlns:a16="http://schemas.microsoft.com/office/drawing/2014/main" id="{551CF2E3-D835-0AD1-908D-080CDBB50DE6}"/>
+              </a:ext>
+            </a:extLst>
+          </p:cNvPr>
+          <p:cNvCxnSpPr/>
+          <p:nvPr/>
+        </p:nvCxnSpPr>
+        <p:spPr>
+          <a:xfrm>
+            <a:off x="-9939" y="2171700"/>
+            <a:ext cx="18297939" cy="0"/>
+          </a:xfrm>
+          <a:prstGeom prst="line">
+            <a:avLst/>
+          </a:prstGeom>
+        </p:spPr>
+        <p:style>
+          <a:lnRef idx="1">
+            <a:schemeClr val="dk1"/>
+          </a:lnRef>
+          <a:fillRef idx="0">
+            <a:schemeClr val="dk1"/>
+          </a:fillRef>
+          <a:effectRef idx="0">
+            <a:schemeClr val="dk1"/>
+          </a:effectRef>
+          <a:fontRef idx="minor">
+            <a:schemeClr val="tx1"/>
+          </a:fontRef>
+        </p:style>
+      </p:cxnSp>
+      <p:cxnSp>
+        <p:nvCxnSpPr>
+          <p:cNvPr id="11" name="Straight Connector 10">
+            <a:extLst>
+              <a:ext uri="{FF2B5EF4-FFF2-40B4-BE49-F238E27FC236}">
+                <a16:creationId xmlns:a16="http://schemas.microsoft.com/office/drawing/2014/main" id="{E71A1807-DEEF-EA5D-95F9-BAAF12ACA863}"/>
+              </a:ext>
+            </a:extLst>
+          </p:cNvPr>
+          <p:cNvCxnSpPr/>
+          <p:nvPr/>
+        </p:nvCxnSpPr>
+        <p:spPr>
+          <a:xfrm>
+            <a:off x="5791200" y="1104900"/>
+            <a:ext cx="228600" cy="9182100"/>
+          </a:xfrm>
+          <a:prstGeom prst="line">
+            <a:avLst/>
+          </a:prstGeom>
+        </p:spPr>
+        <p:style>
+          <a:lnRef idx="1">
+            <a:schemeClr val="dk1"/>
+          </a:lnRef>
+          <a:fillRef idx="0">
+            <a:schemeClr val="dk1"/>
+          </a:fillRef>
+          <a:effectRef idx="0">
+            <a:schemeClr val="dk1"/>
+          </a:effectRef>
+          <a:fontRef idx="minor">
+            <a:schemeClr val="tx1"/>
+          </a:fontRef>
+        </p:style>
+      </p:cxnSp>
+      <p:cxnSp>
+        <p:nvCxnSpPr>
+          <p:cNvPr id="13" name="Straight Connector 12">
+            <a:extLst>
+              <a:ext uri="{FF2B5EF4-FFF2-40B4-BE49-F238E27FC236}">
+                <a16:creationId xmlns:a16="http://schemas.microsoft.com/office/drawing/2014/main" id="{B5DB4EA1-5FA6-E47E-5058-3A17C192668B}"/>
+              </a:ext>
+            </a:extLst>
+          </p:cNvPr>
+          <p:cNvCxnSpPr>
+            <a:cxnSpLocks/>
+          </p:cNvCxnSpPr>
+          <p:nvPr/>
+        </p:nvCxnSpPr>
+        <p:spPr>
+          <a:xfrm>
+            <a:off x="11801475" y="1104900"/>
+            <a:ext cx="238125" cy="9296400"/>
+          </a:xfrm>
+          <a:prstGeom prst="line">
+            <a:avLst/>
+          </a:prstGeom>
+          <a:ln>
+            <a:solidFill>
+              <a:schemeClr val="tx1"/>
+            </a:solidFill>
+          </a:ln>
+        </p:spPr>
+        <p:style>
+          <a:lnRef idx="1">
+            <a:schemeClr val="dk1"/>
+          </a:lnRef>
+          <a:fillRef idx="0">
+            <a:schemeClr val="dk1"/>
+          </a:fillRef>
+          <a:effectRef idx="0">
+            <a:schemeClr val="dk1"/>
+          </a:effectRef>
+          <a:fontRef idx="minor">
+            <a:schemeClr val="tx1"/>
+          </a:fontRef>
+        </p:style>
+      </p:cxnSp>
+      <p:cxnSp>
+        <p:nvCxnSpPr>
+          <p:cNvPr id="15" name="Straight Connector 14">
+            <a:extLst>
+              <a:ext uri="{FF2B5EF4-FFF2-40B4-BE49-F238E27FC236}">
+                <a16:creationId xmlns:a16="http://schemas.microsoft.com/office/drawing/2014/main" id="{2FAFE095-DF6D-1FDA-2E8D-40A3F7975F5D}"/>
+              </a:ext>
+            </a:extLst>
+          </p:cNvPr>
+          <p:cNvCxnSpPr/>
+          <p:nvPr/>
+        </p:nvCxnSpPr>
+        <p:spPr>
+          <a:xfrm>
+            <a:off x="9525" y="1104900"/>
+            <a:ext cx="18249486" cy="0"/>
+          </a:xfrm>
+          <a:prstGeom prst="line">
+            <a:avLst/>
+          </a:prstGeom>
+        </p:spPr>
+        <p:style>
+          <a:lnRef idx="1">
+            <a:schemeClr val="dk1"/>
+          </a:lnRef>
+          <a:fillRef idx="0">
+            <a:schemeClr val="dk1"/>
+          </a:fillRef>
+          <a:effectRef idx="0">
+            <a:schemeClr val="dk1"/>
+          </a:effectRef>
+          <a:fontRef idx="minor">
+            <a:schemeClr val="tx1"/>
+          </a:fontRef>
+        </p:style>
+      </p:cxnSp>
+      <p:cxnSp>
+        <p:nvCxnSpPr>
+          <p:cNvPr id="18" name="Straight Connector 17">
+            <a:extLst>
+              <a:ext uri="{FF2B5EF4-FFF2-40B4-BE49-F238E27FC236}">
+                <a16:creationId xmlns:a16="http://schemas.microsoft.com/office/drawing/2014/main" id="{E8ECA380-3E05-6D43-30F9-137F99580BDC}"/>
+              </a:ext>
+            </a:extLst>
+          </p:cNvPr>
+          <p:cNvCxnSpPr/>
+          <p:nvPr/>
+        </p:nvCxnSpPr>
+        <p:spPr>
+          <a:xfrm>
+            <a:off x="-9939" y="3467100"/>
+            <a:ext cx="18268950" cy="0"/>
+          </a:xfrm>
+          <a:prstGeom prst="line">
+            <a:avLst/>
+          </a:prstGeom>
+        </p:spPr>
+        <p:style>
+          <a:lnRef idx="1">
+            <a:schemeClr val="dk1"/>
+          </a:lnRef>
+          <a:fillRef idx="0">
+            <a:schemeClr val="dk1"/>
+          </a:fillRef>
+          <a:effectRef idx="0">
+            <a:schemeClr val="dk1"/>
+          </a:effectRef>
+          <a:fontRef idx="minor">
+            <a:schemeClr val="tx1"/>
+          </a:fontRef>
+        </p:style>
+      </p:cxnSp>
+      <p:cxnSp>
+        <p:nvCxnSpPr>
+          <p:cNvPr id="20" name="Straight Connector 19">
+            <a:extLst>
+              <a:ext uri="{FF2B5EF4-FFF2-40B4-BE49-F238E27FC236}">
+                <a16:creationId xmlns:a16="http://schemas.microsoft.com/office/drawing/2014/main" id="{3F025399-A4E9-8A3F-DEE8-FC132200D1A4}"/>
+              </a:ext>
+            </a:extLst>
+          </p:cNvPr>
+          <p:cNvCxnSpPr/>
+          <p:nvPr/>
+        </p:nvCxnSpPr>
+        <p:spPr>
+          <a:xfrm>
+            <a:off x="-9939" y="4381500"/>
+            <a:ext cx="18297939" cy="0"/>
+          </a:xfrm>
+          <a:prstGeom prst="line">
+            <a:avLst/>
+          </a:prstGeom>
+        </p:spPr>
+        <p:style>
+          <a:lnRef idx="1">
+            <a:schemeClr val="dk1"/>
+          </a:lnRef>
+          <a:fillRef idx="0">
+            <a:schemeClr val="dk1"/>
+          </a:fillRef>
+          <a:effectRef idx="0">
+            <a:schemeClr val="dk1"/>
+          </a:effectRef>
+          <a:fontRef idx="minor">
+            <a:schemeClr val="tx1"/>
+          </a:fontRef>
+        </p:style>
+      </p:cxnSp>
+      <p:cxnSp>
+        <p:nvCxnSpPr>
+          <p:cNvPr id="24" name="Straight Connector 23">
+            <a:extLst>
+              <a:ext uri="{FF2B5EF4-FFF2-40B4-BE49-F238E27FC236}">
+                <a16:creationId xmlns:a16="http://schemas.microsoft.com/office/drawing/2014/main" id="{A82D3EC2-37F0-ABDB-23F0-18636524F7BA}"/>
+              </a:ext>
+            </a:extLst>
+          </p:cNvPr>
+          <p:cNvCxnSpPr/>
+          <p:nvPr/>
+        </p:nvCxnSpPr>
+        <p:spPr>
+          <a:xfrm>
+            <a:off x="-9939" y="5448300"/>
+            <a:ext cx="18288414" cy="0"/>
+          </a:xfrm>
+          <a:prstGeom prst="line">
+            <a:avLst/>
+          </a:prstGeom>
+        </p:spPr>
+        <p:style>
+          <a:lnRef idx="1">
+            <a:schemeClr val="dk1"/>
+          </a:lnRef>
+          <a:fillRef idx="0">
+            <a:schemeClr val="dk1"/>
+          </a:fillRef>
+          <a:effectRef idx="0">
+            <a:schemeClr val="dk1"/>
+          </a:effectRef>
+          <a:fontRef idx="minor">
+            <a:schemeClr val="tx1"/>
+          </a:fontRef>
+        </p:style>
+      </p:cxnSp>
+      <p:cxnSp>
+        <p:nvCxnSpPr>
+          <p:cNvPr id="26" name="Straight Connector 25">
+            <a:extLst>
+              <a:ext uri="{FF2B5EF4-FFF2-40B4-BE49-F238E27FC236}">
+                <a16:creationId xmlns:a16="http://schemas.microsoft.com/office/drawing/2014/main" id="{D4945279-2C25-0FE8-0F22-E2A97324DC99}"/>
+              </a:ext>
+            </a:extLst>
+          </p:cNvPr>
+          <p:cNvCxnSpPr>
+            <a:cxnSpLocks/>
+          </p:cNvCxnSpPr>
+          <p:nvPr/>
+        </p:nvCxnSpPr>
+        <p:spPr>
+          <a:xfrm>
+            <a:off x="9525" y="6286500"/>
+            <a:ext cx="18249486" cy="0"/>
+          </a:xfrm>
+          <a:prstGeom prst="line">
+            <a:avLst/>
+          </a:prstGeom>
+        </p:spPr>
+        <p:style>
+          <a:lnRef idx="1">
+            <a:schemeClr val="dk1"/>
+          </a:lnRef>
+          <a:fillRef idx="0">
+            <a:schemeClr val="dk1"/>
+          </a:fillRef>
+          <a:effectRef idx="0">
+            <a:schemeClr val="dk1"/>
+          </a:effectRef>
+          <a:fontRef idx="minor">
+            <a:schemeClr val="tx1"/>
+          </a:fontRef>
+        </p:style>
+      </p:cxnSp>
+      <p:cxnSp>
+        <p:nvCxnSpPr>
+          <p:cNvPr id="29" name="Straight Connector 28">
+            <a:extLst>
+              <a:ext uri="{FF2B5EF4-FFF2-40B4-BE49-F238E27FC236}">
+                <a16:creationId xmlns:a16="http://schemas.microsoft.com/office/drawing/2014/main" id="{99C603AE-CA15-E955-5AB1-E79EA8517A5F}"/>
+              </a:ext>
+            </a:extLst>
+          </p:cNvPr>
+          <p:cNvCxnSpPr/>
+          <p:nvPr/>
+        </p:nvCxnSpPr>
+        <p:spPr>
+          <a:xfrm>
+            <a:off x="-9939" y="7200900"/>
+            <a:ext cx="18297939" cy="0"/>
+          </a:xfrm>
+          <a:prstGeom prst="line">
+            <a:avLst/>
+          </a:prstGeom>
+        </p:spPr>
+        <p:style>
+          <a:lnRef idx="1">
+            <a:schemeClr val="dk1"/>
+          </a:lnRef>
+          <a:fillRef idx="0">
+            <a:schemeClr val="dk1"/>
+          </a:fillRef>
+          <a:effectRef idx="0">
+            <a:schemeClr val="dk1"/>
+          </a:effectRef>
+          <a:fontRef idx="minor">
+            <a:schemeClr val="tx1"/>
+          </a:fontRef>
+        </p:style>
+      </p:cxnSp>
+      <p:cxnSp>
+        <p:nvCxnSpPr>
+          <p:cNvPr id="31" name="Straight Connector 30">
+            <a:extLst>
+              <a:ext uri="{FF2B5EF4-FFF2-40B4-BE49-F238E27FC236}">
+                <a16:creationId xmlns:a16="http://schemas.microsoft.com/office/drawing/2014/main" id="{9E7031E0-8583-B8E1-F131-949313EADE77}"/>
+              </a:ext>
+            </a:extLst>
+          </p:cNvPr>
+          <p:cNvCxnSpPr/>
+          <p:nvPr/>
+        </p:nvCxnSpPr>
+        <p:spPr>
+          <a:xfrm>
+            <a:off x="-9939" y="7962900"/>
+            <a:ext cx="18297939" cy="0"/>
+          </a:xfrm>
+          <a:prstGeom prst="line">
+            <a:avLst/>
+          </a:prstGeom>
+        </p:spPr>
+        <p:style>
+          <a:lnRef idx="1">
+            <a:schemeClr val="dk1"/>
+          </a:lnRef>
+          <a:fillRef idx="0">
+            <a:schemeClr val="dk1"/>
+          </a:fillRef>
+          <a:effectRef idx="0">
+            <a:schemeClr val="dk1"/>
+          </a:effectRef>
+          <a:fontRef idx="minor">
+            <a:schemeClr val="tx1"/>
+          </a:fontRef>
+        </p:style>
+      </p:cxnSp>
+      <p:cxnSp>
+        <p:nvCxnSpPr>
+          <p:cNvPr id="33" name="Straight Connector 32">
+            <a:extLst>
+              <a:ext uri="{FF2B5EF4-FFF2-40B4-BE49-F238E27FC236}">
+                <a16:creationId xmlns:a16="http://schemas.microsoft.com/office/drawing/2014/main" id="{6DB3DB55-92D0-0589-3797-1ECF81876C8B}"/>
+              </a:ext>
+            </a:extLst>
+          </p:cNvPr>
+          <p:cNvCxnSpPr/>
+          <p:nvPr/>
+        </p:nvCxnSpPr>
+        <p:spPr>
+          <a:xfrm>
+            <a:off x="-9939" y="9029700"/>
+            <a:ext cx="18297939" cy="0"/>
+          </a:xfrm>
+          <a:prstGeom prst="line">
+            <a:avLst/>
+          </a:prstGeom>
+        </p:spPr>
+        <p:style>
+          <a:lnRef idx="1">
+            <a:schemeClr val="dk1"/>
+          </a:lnRef>
+          <a:fillRef idx="0">
+            <a:schemeClr val="dk1"/>
+          </a:fillRef>
+          <a:effectRef idx="0">
+            <a:schemeClr val="dk1"/>
+          </a:effectRef>
+          <a:fontRef idx="minor">
+            <a:schemeClr val="tx1"/>
+          </a:fontRef>
+        </p:style>
+      </p:cxnSp>
     </p:spTree>
   </p:cSld>
   <p:clrMapOvr>
@@ -4373,13 +5673,14 @@
 </file>
 
 <file path=ppt/slides/slide4.xml><?xml version="1.0" encoding="utf-8"?>
-<p:sld xmlns:p="http://schemas.openxmlformats.org/presentationml/2006/main" xmlns:a="http://schemas.openxmlformats.org/drawingml/2006/main" xmlns:r="http://schemas.openxmlformats.org/officeDocument/2006/relationships">
+<p:sld xmlns:a="http://schemas.openxmlformats.org/drawingml/2006/main" xmlns:r="http://schemas.openxmlformats.org/officeDocument/2006/relationships" xmlns:p="http://schemas.openxmlformats.org/presentationml/2006/main">
   <p:cSld>
     <p:bg>
       <p:bgPr>
         <a:solidFill>
           <a:srgbClr val="E9E9E9"/>
         </a:solidFill>
+        <a:effectLst/>
       </p:bgPr>
     </p:bg>
     <p:spTree>
@@ -4398,12 +5699,12 @@
       </p:grpSpPr>
       <p:sp>
         <p:nvSpPr>
-          <p:cNvPr name="Freeform 2" id="2"/>
+          <p:cNvPr id="2" name="Freeform 2"/>
           <p:cNvSpPr/>
           <p:nvPr/>
         </p:nvSpPr>
         <p:spPr>
-          <a:xfrm flipH="false" flipV="false" rot="5400000">
+          <a:xfrm rot="5400000">
             <a:off x="-598671" y="-1743170"/>
             <a:ext cx="4840370" cy="6758253"/>
           </a:xfrm>
@@ -4412,9 +5713,9 @@
             <a:gdLst/>
             <a:ahLst/>
             <a:cxnLst/>
-            <a:rect r="r" b="b" t="t" l="l"/>
+            <a:rect l="l" t="t" r="r" b="b"/>
             <a:pathLst>
-              <a:path h="6758253" w="4840370">
+              <a:path w="4840370" h="6758253">
                 <a:moveTo>
                   <a:pt x="0" y="0"/>
                 </a:moveTo>
@@ -4443,19 +5744,19 @@
               </a:extLst>
             </a:blip>
             <a:stretch>
-              <a:fillRect l="0" t="0" r="0" b="0"/>
+              <a:fillRect/>
             </a:stretch>
           </a:blipFill>
         </p:spPr>
       </p:sp>
       <p:sp>
         <p:nvSpPr>
-          <p:cNvPr name="TextBox 3" id="3"/>
-          <p:cNvSpPr txBox="true"/>
+          <p:cNvPr id="3" name="TextBox 3"/>
+          <p:cNvSpPr txBox="1"/>
           <p:nvPr/>
         </p:nvSpPr>
         <p:spPr>
-          <a:xfrm rot="0">
+          <a:xfrm>
             <a:off x="2668325" y="4041844"/>
             <a:ext cx="12951349" cy="1974712"/>
           </a:xfrm>
@@ -4464,7 +5765,7 @@
           </a:prstGeom>
         </p:spPr>
         <p:txBody>
-          <a:bodyPr anchor="t" rtlCol="false" tIns="0" lIns="0" bIns="0" rIns="0">
+          <a:bodyPr lIns="0" tIns="0" rIns="0" bIns="0" rtlCol="0" anchor="t">
             <a:spAutoFit/>
           </a:bodyPr>
           <a:lstStyle/>
@@ -4475,7 +5776,7 @@
               </a:lnSpc>
             </a:pPr>
             <a:r>
-              <a:rPr lang="en-US" b="true" sz="11505">
+              <a:rPr lang="en-US" sz="11505" b="1">
                 <a:solidFill>
                   <a:srgbClr val="3F3D3E"/>
                 </a:solidFill>
@@ -4491,12 +5792,12 @@
       </p:sp>
       <p:sp>
         <p:nvSpPr>
-          <p:cNvPr name="Freeform 4" id="4"/>
+          <p:cNvPr id="4" name="Freeform 4"/>
           <p:cNvSpPr/>
           <p:nvPr/>
         </p:nvSpPr>
         <p:spPr>
-          <a:xfrm flipH="false" flipV="false" rot="-574333">
+          <a:xfrm rot="-574333">
             <a:off x="-598671" y="5498906"/>
             <a:ext cx="4840370" cy="6758253"/>
           </a:xfrm>
@@ -4505,9 +5806,9 @@
             <a:gdLst/>
             <a:ahLst/>
             <a:cxnLst/>
-            <a:rect r="r" b="b" t="t" l="l"/>
+            <a:rect l="l" t="t" r="r" b="b"/>
             <a:pathLst>
-              <a:path h="6758253" w="4840370">
+              <a:path w="4840370" h="6758253">
                 <a:moveTo>
                   <a:pt x="0" y="0"/>
                 </a:moveTo>
@@ -4536,14 +5837,14 @@
               </a:extLst>
             </a:blip>
             <a:stretch>
-              <a:fillRect l="0" t="0" r="0" b="0"/>
+              <a:fillRect/>
             </a:stretch>
           </a:blipFill>
         </p:spPr>
       </p:sp>
       <p:sp>
         <p:nvSpPr>
-          <p:cNvPr name="AutoShape 5" id="5"/>
+          <p:cNvPr id="5" name="AutoShape 5"/>
           <p:cNvSpPr/>
           <p:nvPr/>
         </p:nvSpPr>
@@ -4555,13 +5856,13 @@
           <a:prstGeom prst="line">
             <a:avLst/>
           </a:prstGeom>
-          <a:ln cap="flat" w="9525">
+          <a:ln w="9525" cap="flat">
             <a:solidFill>
               <a:srgbClr val="545454"/>
             </a:solidFill>
             <a:prstDash val="solid"/>
-            <a:headEnd type="none" len="sm" w="sm"/>
-            <a:tailEnd type="none" len="sm" w="sm"/>
+            <a:headEnd type="none" w="sm" len="sm"/>
+            <a:tailEnd type="none" w="sm" len="sm"/>
           </a:ln>
         </p:spPr>
       </p:sp>
